--- a/Final Project Ideas.pptx
+++ b/Final Project Ideas.pptx
@@ -4,11 +4,16 @@
   <p:sldMasterIdLst>
     <p:sldMasterId id="2147483648" r:id="rId1"/>
   </p:sldMasterIdLst>
+  <p:notesMasterIdLst>
+    <p:notesMasterId r:id="rId8"/>
+  </p:notesMasterIdLst>
   <p:sldIdLst>
     <p:sldId id="256" r:id="rId2"/>
     <p:sldId id="257" r:id="rId3"/>
     <p:sldId id="258" r:id="rId4"/>
     <p:sldId id="259" r:id="rId5"/>
+    <p:sldId id="260" r:id="rId6"/>
+    <p:sldId id="261" r:id="rId7"/>
   </p:sldIdLst>
   <p:sldSz cx="12192000" cy="6858000"/>
   <p:notesSz cx="6858000" cy="9144000"/>
@@ -116,6 +121,8 @@
             <p14:sldId id="257"/>
             <p14:sldId id="258"/>
             <p14:sldId id="259"/>
+            <p14:sldId id="260"/>
+            <p14:sldId id="261"/>
           </p14:sldIdLst>
         </p14:section>
       </p14:sectionLst>
@@ -125,6 +132,445 @@
     </p:ext>
   </p:extLst>
 </p:presentation>
+</file>
+
+<file path=ppt/notesMasters/notesMaster1.xml><?xml version="1.0" encoding="utf-8"?>
+<p:notesMaster xmlns:a="http://schemas.openxmlformats.org/drawingml/2006/main" xmlns:r="http://schemas.openxmlformats.org/officeDocument/2006/relationships" xmlns:p="http://schemas.openxmlformats.org/presentationml/2006/main">
+  <p:cSld>
+    <p:bg>
+      <p:bgRef idx="1001">
+        <a:schemeClr val="bg1"/>
+      </p:bgRef>
+    </p:bg>
+    <p:spTree>
+      <p:nvGrpSpPr>
+        <p:cNvPr id="1" name=""/>
+        <p:cNvGrpSpPr/>
+        <p:nvPr/>
+      </p:nvGrpSpPr>
+      <p:grpSpPr>
+        <a:xfrm>
+          <a:off x="0" y="0"/>
+          <a:ext cx="0" cy="0"/>
+          <a:chOff x="0" y="0"/>
+          <a:chExt cx="0" cy="0"/>
+        </a:xfrm>
+      </p:grpSpPr>
+      <p:sp>
+        <p:nvSpPr>
+          <p:cNvPr id="2" name="Header Placeholder 1"/>
+          <p:cNvSpPr>
+            <a:spLocks noGrp="1"/>
+          </p:cNvSpPr>
+          <p:nvPr>
+            <p:ph type="hdr" sz="quarter"/>
+          </p:nvPr>
+        </p:nvSpPr>
+        <p:spPr>
+          <a:xfrm>
+            <a:off x="0" y="0"/>
+            <a:ext cx="2971800" cy="458788"/>
+          </a:xfrm>
+          <a:prstGeom prst="rect">
+            <a:avLst/>
+          </a:prstGeom>
+        </p:spPr>
+        <p:txBody>
+          <a:bodyPr vert="horz" lIns="91440" tIns="45720" rIns="91440" bIns="45720" rtlCol="0"/>
+          <a:lstStyle>
+            <a:lvl1pPr algn="l">
+              <a:defRPr sz="1200"/>
+            </a:lvl1pPr>
+          </a:lstStyle>
+          <a:p>
+            <a:endParaRPr lang="en-US"/>
+          </a:p>
+        </p:txBody>
+      </p:sp>
+      <p:sp>
+        <p:nvSpPr>
+          <p:cNvPr id="3" name="Date Placeholder 2"/>
+          <p:cNvSpPr>
+            <a:spLocks noGrp="1"/>
+          </p:cNvSpPr>
+          <p:nvPr>
+            <p:ph type="dt" idx="1"/>
+          </p:nvPr>
+        </p:nvSpPr>
+        <p:spPr>
+          <a:xfrm>
+            <a:off x="3884613" y="0"/>
+            <a:ext cx="2971800" cy="458788"/>
+          </a:xfrm>
+          <a:prstGeom prst="rect">
+            <a:avLst/>
+          </a:prstGeom>
+        </p:spPr>
+        <p:txBody>
+          <a:bodyPr vert="horz" lIns="91440" tIns="45720" rIns="91440" bIns="45720" rtlCol="0"/>
+          <a:lstStyle>
+            <a:lvl1pPr algn="r">
+              <a:defRPr sz="1200"/>
+            </a:lvl1pPr>
+          </a:lstStyle>
+          <a:p>
+            <a:fld id="{04BC9019-C8A6-4B90-8F56-686087AC6712}" type="datetimeFigureOut">
+              <a:rPr lang="en-US" smtClean="0"/>
+              <a:t>3/5/2021</a:t>
+            </a:fld>
+            <a:endParaRPr lang="en-US"/>
+          </a:p>
+        </p:txBody>
+      </p:sp>
+      <p:sp>
+        <p:nvSpPr>
+          <p:cNvPr id="4" name="Slide Image Placeholder 3"/>
+          <p:cNvSpPr>
+            <a:spLocks noGrp="1" noRot="1" noChangeAspect="1"/>
+          </p:cNvSpPr>
+          <p:nvPr>
+            <p:ph type="sldImg" idx="2"/>
+          </p:nvPr>
+        </p:nvSpPr>
+        <p:spPr>
+          <a:xfrm>
+            <a:off x="685800" y="1143000"/>
+            <a:ext cx="5486400" cy="3086100"/>
+          </a:xfrm>
+          <a:prstGeom prst="rect">
+            <a:avLst/>
+          </a:prstGeom>
+          <a:noFill/>
+          <a:ln w="12700">
+            <a:solidFill>
+              <a:prstClr val="black"/>
+            </a:solidFill>
+          </a:ln>
+        </p:spPr>
+        <p:txBody>
+          <a:bodyPr vert="horz" lIns="91440" tIns="45720" rIns="91440" bIns="45720" rtlCol="0" anchor="ctr"/>
+          <a:lstStyle/>
+          <a:p>
+            <a:endParaRPr lang="en-US"/>
+          </a:p>
+        </p:txBody>
+      </p:sp>
+      <p:sp>
+        <p:nvSpPr>
+          <p:cNvPr id="5" name="Notes Placeholder 4"/>
+          <p:cNvSpPr>
+            <a:spLocks noGrp="1"/>
+          </p:cNvSpPr>
+          <p:nvPr>
+            <p:ph type="body" sz="quarter" idx="3"/>
+          </p:nvPr>
+        </p:nvSpPr>
+        <p:spPr>
+          <a:xfrm>
+            <a:off x="685800" y="4400550"/>
+            <a:ext cx="5486400" cy="3600450"/>
+          </a:xfrm>
+          <a:prstGeom prst="rect">
+            <a:avLst/>
+          </a:prstGeom>
+        </p:spPr>
+        <p:txBody>
+          <a:bodyPr vert="horz" lIns="91440" tIns="45720" rIns="91440" bIns="45720" rtlCol="0"/>
+          <a:lstStyle/>
+          <a:p>
+            <a:pPr lvl="0"/>
+            <a:r>
+              <a:rPr lang="en-US"/>
+              <a:t>Click to edit Master text styles</a:t>
+            </a:r>
+          </a:p>
+          <a:p>
+            <a:pPr lvl="1"/>
+            <a:r>
+              <a:rPr lang="en-US"/>
+              <a:t>Second level</a:t>
+            </a:r>
+          </a:p>
+          <a:p>
+            <a:pPr lvl="2"/>
+            <a:r>
+              <a:rPr lang="en-US"/>
+              <a:t>Third level</a:t>
+            </a:r>
+          </a:p>
+          <a:p>
+            <a:pPr lvl="3"/>
+            <a:r>
+              <a:rPr lang="en-US"/>
+              <a:t>Fourth level</a:t>
+            </a:r>
+          </a:p>
+          <a:p>
+            <a:pPr lvl="4"/>
+            <a:r>
+              <a:rPr lang="en-US"/>
+              <a:t>Fifth level</a:t>
+            </a:r>
+          </a:p>
+        </p:txBody>
+      </p:sp>
+      <p:sp>
+        <p:nvSpPr>
+          <p:cNvPr id="6" name="Footer Placeholder 5"/>
+          <p:cNvSpPr>
+            <a:spLocks noGrp="1"/>
+          </p:cNvSpPr>
+          <p:nvPr>
+            <p:ph type="ftr" sz="quarter" idx="4"/>
+          </p:nvPr>
+        </p:nvSpPr>
+        <p:spPr>
+          <a:xfrm>
+            <a:off x="0" y="8685213"/>
+            <a:ext cx="2971800" cy="458787"/>
+          </a:xfrm>
+          <a:prstGeom prst="rect">
+            <a:avLst/>
+          </a:prstGeom>
+        </p:spPr>
+        <p:txBody>
+          <a:bodyPr vert="horz" lIns="91440" tIns="45720" rIns="91440" bIns="45720" rtlCol="0" anchor="b"/>
+          <a:lstStyle>
+            <a:lvl1pPr algn="l">
+              <a:defRPr sz="1200"/>
+            </a:lvl1pPr>
+          </a:lstStyle>
+          <a:p>
+            <a:endParaRPr lang="en-US"/>
+          </a:p>
+        </p:txBody>
+      </p:sp>
+      <p:sp>
+        <p:nvSpPr>
+          <p:cNvPr id="7" name="Slide Number Placeholder 6"/>
+          <p:cNvSpPr>
+            <a:spLocks noGrp="1"/>
+          </p:cNvSpPr>
+          <p:nvPr>
+            <p:ph type="sldNum" sz="quarter" idx="5"/>
+          </p:nvPr>
+        </p:nvSpPr>
+        <p:spPr>
+          <a:xfrm>
+            <a:off x="3884613" y="8685213"/>
+            <a:ext cx="2971800" cy="458787"/>
+          </a:xfrm>
+          <a:prstGeom prst="rect">
+            <a:avLst/>
+          </a:prstGeom>
+        </p:spPr>
+        <p:txBody>
+          <a:bodyPr vert="horz" lIns="91440" tIns="45720" rIns="91440" bIns="45720" rtlCol="0" anchor="b"/>
+          <a:lstStyle>
+            <a:lvl1pPr algn="r">
+              <a:defRPr sz="1200"/>
+            </a:lvl1pPr>
+          </a:lstStyle>
+          <a:p>
+            <a:fld id="{53507C81-EC29-4AB2-9DFD-F8845B7304CC}" type="slidenum">
+              <a:rPr lang="en-US" smtClean="0"/>
+              <a:t>‹#›</a:t>
+            </a:fld>
+            <a:endParaRPr lang="en-US"/>
+          </a:p>
+        </p:txBody>
+      </p:sp>
+    </p:spTree>
+    <p:extLst>
+      <p:ext uri="{BB962C8B-B14F-4D97-AF65-F5344CB8AC3E}">
+        <p14:creationId xmlns:p14="http://schemas.microsoft.com/office/powerpoint/2010/main" val="132211745"/>
+      </p:ext>
+    </p:extLst>
+  </p:cSld>
+  <p:clrMap bg1="lt1" tx1="dk1" bg2="lt2" tx2="dk2" accent1="accent1" accent2="accent2" accent3="accent3" accent4="accent4" accent5="accent5" accent6="accent6" hlink="hlink" folHlink="folHlink"/>
+  <p:notesStyle>
+    <a:lvl1pPr marL="0" algn="l" defTabSz="914400" rtl="0" eaLnBrk="1" latinLnBrk="0" hangingPunct="1">
+      <a:defRPr sz="1200" kern="1200">
+        <a:solidFill>
+          <a:schemeClr val="tx1"/>
+        </a:solidFill>
+        <a:latin typeface="+mn-lt"/>
+        <a:ea typeface="+mn-ea"/>
+        <a:cs typeface="+mn-cs"/>
+      </a:defRPr>
+    </a:lvl1pPr>
+    <a:lvl2pPr marL="457200" algn="l" defTabSz="914400" rtl="0" eaLnBrk="1" latinLnBrk="0" hangingPunct="1">
+      <a:defRPr sz="1200" kern="1200">
+        <a:solidFill>
+          <a:schemeClr val="tx1"/>
+        </a:solidFill>
+        <a:latin typeface="+mn-lt"/>
+        <a:ea typeface="+mn-ea"/>
+        <a:cs typeface="+mn-cs"/>
+      </a:defRPr>
+    </a:lvl2pPr>
+    <a:lvl3pPr marL="914400" algn="l" defTabSz="914400" rtl="0" eaLnBrk="1" latinLnBrk="0" hangingPunct="1">
+      <a:defRPr sz="1200" kern="1200">
+        <a:solidFill>
+          <a:schemeClr val="tx1"/>
+        </a:solidFill>
+        <a:latin typeface="+mn-lt"/>
+        <a:ea typeface="+mn-ea"/>
+        <a:cs typeface="+mn-cs"/>
+      </a:defRPr>
+    </a:lvl3pPr>
+    <a:lvl4pPr marL="1371600" algn="l" defTabSz="914400" rtl="0" eaLnBrk="1" latinLnBrk="0" hangingPunct="1">
+      <a:defRPr sz="1200" kern="1200">
+        <a:solidFill>
+          <a:schemeClr val="tx1"/>
+        </a:solidFill>
+        <a:latin typeface="+mn-lt"/>
+        <a:ea typeface="+mn-ea"/>
+        <a:cs typeface="+mn-cs"/>
+      </a:defRPr>
+    </a:lvl4pPr>
+    <a:lvl5pPr marL="1828800" algn="l" defTabSz="914400" rtl="0" eaLnBrk="1" latinLnBrk="0" hangingPunct="1">
+      <a:defRPr sz="1200" kern="1200">
+        <a:solidFill>
+          <a:schemeClr val="tx1"/>
+        </a:solidFill>
+        <a:latin typeface="+mn-lt"/>
+        <a:ea typeface="+mn-ea"/>
+        <a:cs typeface="+mn-cs"/>
+      </a:defRPr>
+    </a:lvl5pPr>
+    <a:lvl6pPr marL="2286000" algn="l" defTabSz="914400" rtl="0" eaLnBrk="1" latinLnBrk="0" hangingPunct="1">
+      <a:defRPr sz="1200" kern="1200">
+        <a:solidFill>
+          <a:schemeClr val="tx1"/>
+        </a:solidFill>
+        <a:latin typeface="+mn-lt"/>
+        <a:ea typeface="+mn-ea"/>
+        <a:cs typeface="+mn-cs"/>
+      </a:defRPr>
+    </a:lvl6pPr>
+    <a:lvl7pPr marL="2743200" algn="l" defTabSz="914400" rtl="0" eaLnBrk="1" latinLnBrk="0" hangingPunct="1">
+      <a:defRPr sz="1200" kern="1200">
+        <a:solidFill>
+          <a:schemeClr val="tx1"/>
+        </a:solidFill>
+        <a:latin typeface="+mn-lt"/>
+        <a:ea typeface="+mn-ea"/>
+        <a:cs typeface="+mn-cs"/>
+      </a:defRPr>
+    </a:lvl7pPr>
+    <a:lvl8pPr marL="3200400" algn="l" defTabSz="914400" rtl="0" eaLnBrk="1" latinLnBrk="0" hangingPunct="1">
+      <a:defRPr sz="1200" kern="1200">
+        <a:solidFill>
+          <a:schemeClr val="tx1"/>
+        </a:solidFill>
+        <a:latin typeface="+mn-lt"/>
+        <a:ea typeface="+mn-ea"/>
+        <a:cs typeface="+mn-cs"/>
+      </a:defRPr>
+    </a:lvl8pPr>
+    <a:lvl9pPr marL="3657600" algn="l" defTabSz="914400" rtl="0" eaLnBrk="1" latinLnBrk="0" hangingPunct="1">
+      <a:defRPr sz="1200" kern="1200">
+        <a:solidFill>
+          <a:schemeClr val="tx1"/>
+        </a:solidFill>
+        <a:latin typeface="+mn-lt"/>
+        <a:ea typeface="+mn-ea"/>
+        <a:cs typeface="+mn-cs"/>
+      </a:defRPr>
+    </a:lvl9pPr>
+  </p:notesStyle>
+</p:notesMaster>
+</file>
+
+<file path=ppt/notesSlides/notesSlide1.xml><?xml version="1.0" encoding="utf-8"?>
+<p:notes xmlns:a="http://schemas.openxmlformats.org/drawingml/2006/main" xmlns:r="http://schemas.openxmlformats.org/officeDocument/2006/relationships" xmlns:p="http://schemas.openxmlformats.org/presentationml/2006/main">
+  <p:cSld>
+    <p:spTree>
+      <p:nvGrpSpPr>
+        <p:cNvPr id="1" name=""/>
+        <p:cNvGrpSpPr/>
+        <p:nvPr/>
+      </p:nvGrpSpPr>
+      <p:grpSpPr>
+        <a:xfrm>
+          <a:off x="0" y="0"/>
+          <a:ext cx="0" cy="0"/>
+          <a:chOff x="0" y="0"/>
+          <a:chExt cx="0" cy="0"/>
+        </a:xfrm>
+      </p:grpSpPr>
+      <p:sp>
+        <p:nvSpPr>
+          <p:cNvPr id="2" name="Slide Image Placeholder 1"/>
+          <p:cNvSpPr>
+            <a:spLocks noGrp="1" noRot="1" noChangeAspect="1"/>
+          </p:cNvSpPr>
+          <p:nvPr>
+            <p:ph type="sldImg"/>
+          </p:nvPr>
+        </p:nvSpPr>
+        <p:spPr/>
+      </p:sp>
+      <p:sp>
+        <p:nvSpPr>
+          <p:cNvPr id="3" name="Notes Placeholder 2"/>
+          <p:cNvSpPr>
+            <a:spLocks noGrp="1"/>
+          </p:cNvSpPr>
+          <p:nvPr>
+            <p:ph type="body" idx="1"/>
+          </p:nvPr>
+        </p:nvSpPr>
+        <p:spPr/>
+        <p:txBody>
+          <a:bodyPr/>
+          <a:lstStyle/>
+          <a:p>
+            <a:r>
+              <a:rPr lang="en-US" dirty="0"/>
+              <a:t>https://www.mygreatlearning.com/blog/nltk-tutorial-with-python/</a:t>
+            </a:r>
+          </a:p>
+          <a:p>
+            <a:endParaRPr lang="en-US" dirty="0"/>
+          </a:p>
+        </p:txBody>
+      </p:sp>
+      <p:sp>
+        <p:nvSpPr>
+          <p:cNvPr id="4" name="Slide Number Placeholder 3"/>
+          <p:cNvSpPr>
+            <a:spLocks noGrp="1"/>
+          </p:cNvSpPr>
+          <p:nvPr>
+            <p:ph type="sldNum" sz="quarter" idx="5"/>
+          </p:nvPr>
+        </p:nvSpPr>
+        <p:spPr/>
+        <p:txBody>
+          <a:bodyPr/>
+          <a:lstStyle/>
+          <a:p>
+            <a:fld id="{53507C81-EC29-4AB2-9DFD-F8845B7304CC}" type="slidenum">
+              <a:rPr lang="en-US" smtClean="0"/>
+              <a:t>5</a:t>
+            </a:fld>
+            <a:endParaRPr lang="en-US"/>
+          </a:p>
+        </p:txBody>
+      </p:sp>
+    </p:spTree>
+    <p:extLst>
+      <p:ext uri="{BB962C8B-B14F-4D97-AF65-F5344CB8AC3E}">
+        <p14:creationId xmlns:p14="http://schemas.microsoft.com/office/powerpoint/2010/main" val="2393371510"/>
+      </p:ext>
+    </p:extLst>
+  </p:cSld>
+  <p:clrMapOvr>
+    <a:masterClrMapping/>
+  </p:clrMapOvr>
+</p:notes>
 </file>
 
 <file path=ppt/slideLayouts/slideLayout1.xml><?xml version="1.0" encoding="utf-8"?>
@@ -274,7 +720,7 @@
           <a:p>
             <a:fld id="{E25CC89C-45C9-47D1-BCFB-36AC0404138F}" type="datetimeFigureOut">
               <a:rPr lang="en-US" smtClean="0"/>
-              <a:t>2/27/2021</a:t>
+              <a:t>3/5/2021</a:t>
             </a:fld>
             <a:endParaRPr lang="en-US"/>
           </a:p>
@@ -472,7 +918,7 @@
           <a:p>
             <a:fld id="{E25CC89C-45C9-47D1-BCFB-36AC0404138F}" type="datetimeFigureOut">
               <a:rPr lang="en-US" smtClean="0"/>
-              <a:t>2/27/2021</a:t>
+              <a:t>3/5/2021</a:t>
             </a:fld>
             <a:endParaRPr lang="en-US"/>
           </a:p>
@@ -680,7 +1126,7 @@
           <a:p>
             <a:fld id="{E25CC89C-45C9-47D1-BCFB-36AC0404138F}" type="datetimeFigureOut">
               <a:rPr lang="en-US" smtClean="0"/>
-              <a:t>2/27/2021</a:t>
+              <a:t>3/5/2021</a:t>
             </a:fld>
             <a:endParaRPr lang="en-US"/>
           </a:p>
@@ -878,7 +1324,7 @@
           <a:p>
             <a:fld id="{E25CC89C-45C9-47D1-BCFB-36AC0404138F}" type="datetimeFigureOut">
               <a:rPr lang="en-US" smtClean="0"/>
-              <a:t>2/27/2021</a:t>
+              <a:t>3/5/2021</a:t>
             </a:fld>
             <a:endParaRPr lang="en-US"/>
           </a:p>
@@ -1153,7 +1599,7 @@
           <a:p>
             <a:fld id="{E25CC89C-45C9-47D1-BCFB-36AC0404138F}" type="datetimeFigureOut">
               <a:rPr lang="en-US" smtClean="0"/>
-              <a:t>2/27/2021</a:t>
+              <a:t>3/5/2021</a:t>
             </a:fld>
             <a:endParaRPr lang="en-US"/>
           </a:p>
@@ -1418,7 +1864,7 @@
           <a:p>
             <a:fld id="{E25CC89C-45C9-47D1-BCFB-36AC0404138F}" type="datetimeFigureOut">
               <a:rPr lang="en-US" smtClean="0"/>
-              <a:t>2/27/2021</a:t>
+              <a:t>3/5/2021</a:t>
             </a:fld>
             <a:endParaRPr lang="en-US"/>
           </a:p>
@@ -1830,7 +2276,7 @@
           <a:p>
             <a:fld id="{E25CC89C-45C9-47D1-BCFB-36AC0404138F}" type="datetimeFigureOut">
               <a:rPr lang="en-US" smtClean="0"/>
-              <a:t>2/27/2021</a:t>
+              <a:t>3/5/2021</a:t>
             </a:fld>
             <a:endParaRPr lang="en-US"/>
           </a:p>
@@ -1971,7 +2417,7 @@
           <a:p>
             <a:fld id="{E25CC89C-45C9-47D1-BCFB-36AC0404138F}" type="datetimeFigureOut">
               <a:rPr lang="en-US" smtClean="0"/>
-              <a:t>2/27/2021</a:t>
+              <a:t>3/5/2021</a:t>
             </a:fld>
             <a:endParaRPr lang="en-US"/>
           </a:p>
@@ -2084,7 +2530,7 @@
           <a:p>
             <a:fld id="{E25CC89C-45C9-47D1-BCFB-36AC0404138F}" type="datetimeFigureOut">
               <a:rPr lang="en-US" smtClean="0"/>
-              <a:t>2/27/2021</a:t>
+              <a:t>3/5/2021</a:t>
             </a:fld>
             <a:endParaRPr lang="en-US"/>
           </a:p>
@@ -2395,7 +2841,7 @@
           <a:p>
             <a:fld id="{E25CC89C-45C9-47D1-BCFB-36AC0404138F}" type="datetimeFigureOut">
               <a:rPr lang="en-US" smtClean="0"/>
-              <a:t>2/27/2021</a:t>
+              <a:t>3/5/2021</a:t>
             </a:fld>
             <a:endParaRPr lang="en-US"/>
           </a:p>
@@ -2683,7 +3129,7 @@
           <a:p>
             <a:fld id="{E25CC89C-45C9-47D1-BCFB-36AC0404138F}" type="datetimeFigureOut">
               <a:rPr lang="en-US" smtClean="0"/>
-              <a:t>2/27/2021</a:t>
+              <a:t>3/5/2021</a:t>
             </a:fld>
             <a:endParaRPr lang="en-US"/>
           </a:p>
@@ -2924,7 +3370,7 @@
           <a:p>
             <a:fld id="{E25CC89C-45C9-47D1-BCFB-36AC0404138F}" type="datetimeFigureOut">
               <a:rPr lang="en-US" smtClean="0"/>
-              <a:t>2/27/2021</a:t>
+              <a:t>3/5/2021</a:t>
             </a:fld>
             <a:endParaRPr lang="en-US"/>
           </a:p>
@@ -3873,6 +4319,435 @@
 </p:sld>
 </file>
 
+<file path=ppt/slides/slide5.xml><?xml version="1.0" encoding="utf-8"?>
+<p:sld xmlns:a="http://schemas.openxmlformats.org/drawingml/2006/main" xmlns:r="http://schemas.openxmlformats.org/officeDocument/2006/relationships" xmlns:p="http://schemas.openxmlformats.org/presentationml/2006/main">
+  <p:cSld>
+    <p:spTree>
+      <p:nvGrpSpPr>
+        <p:cNvPr id="1" name=""/>
+        <p:cNvGrpSpPr/>
+        <p:nvPr/>
+      </p:nvGrpSpPr>
+      <p:grpSpPr>
+        <a:xfrm>
+          <a:off x="0" y="0"/>
+          <a:ext cx="0" cy="0"/>
+          <a:chOff x="0" y="0"/>
+          <a:chExt cx="0" cy="0"/>
+        </a:xfrm>
+      </p:grpSpPr>
+      <p:sp>
+        <p:nvSpPr>
+          <p:cNvPr id="2" name="Title 1">
+            <a:extLst>
+              <a:ext uri="{FF2B5EF4-FFF2-40B4-BE49-F238E27FC236}">
+                <a16:creationId xmlns:a16="http://schemas.microsoft.com/office/drawing/2014/main" id="{5C4974F6-68AB-4FEC-977E-B3AEBF5BEBBF}"/>
+              </a:ext>
+            </a:extLst>
+          </p:cNvPr>
+          <p:cNvSpPr>
+            <a:spLocks noGrp="1"/>
+          </p:cNvSpPr>
+          <p:nvPr>
+            <p:ph type="title"/>
+          </p:nvPr>
+        </p:nvSpPr>
+        <p:spPr>
+          <a:xfrm>
+            <a:off x="838200" y="365126"/>
+            <a:ext cx="10515600" cy="719260"/>
+          </a:xfrm>
+        </p:spPr>
+        <p:txBody>
+          <a:bodyPr/>
+          <a:lstStyle/>
+          <a:p>
+            <a:r>
+              <a:rPr lang="en-US" dirty="0"/>
+              <a:t>Optimum Recipe Generator</a:t>
+            </a:r>
+          </a:p>
+        </p:txBody>
+      </p:sp>
+      <p:sp>
+        <p:nvSpPr>
+          <p:cNvPr id="3" name="Content Placeholder 2">
+            <a:extLst>
+              <a:ext uri="{FF2B5EF4-FFF2-40B4-BE49-F238E27FC236}">
+                <a16:creationId xmlns:a16="http://schemas.microsoft.com/office/drawing/2014/main" id="{8DE7ADE5-AEAD-4A2A-9332-02B203697D6C}"/>
+              </a:ext>
+            </a:extLst>
+          </p:cNvPr>
+          <p:cNvSpPr>
+            <a:spLocks noGrp="1"/>
+          </p:cNvSpPr>
+          <p:nvPr>
+            <p:ph idx="1"/>
+          </p:nvPr>
+        </p:nvSpPr>
+        <p:spPr>
+          <a:xfrm>
+            <a:off x="838199" y="984738"/>
+            <a:ext cx="10861431" cy="5591907"/>
+          </a:xfrm>
+        </p:spPr>
+        <p:txBody>
+          <a:bodyPr numCol="2">
+            <a:normAutofit fontScale="92500" lnSpcReduction="10000"/>
+          </a:bodyPr>
+          <a:lstStyle/>
+          <a:p>
+            <a:r>
+              <a:rPr lang="en-US" dirty="0"/>
+              <a:t>Week 1:</a:t>
+            </a:r>
+          </a:p>
+          <a:p>
+            <a:pPr lvl="1"/>
+            <a:r>
+              <a:rPr lang="en-US" dirty="0"/>
+              <a:t>Explore data and clean up data</a:t>
+            </a:r>
+          </a:p>
+          <a:p>
+            <a:pPr lvl="2"/>
+            <a:r>
+              <a:rPr lang="en-US" dirty="0"/>
+              <a:t>Remove outliers</a:t>
+            </a:r>
+          </a:p>
+          <a:p>
+            <a:pPr lvl="3"/>
+            <a:r>
+              <a:rPr lang="en-US" dirty="0"/>
+              <a:t>More than 20 steps</a:t>
+            </a:r>
+          </a:p>
+          <a:p>
+            <a:pPr lvl="3"/>
+            <a:r>
+              <a:rPr lang="en-US" dirty="0"/>
+              <a:t>More than 25 ingredients</a:t>
+            </a:r>
+          </a:p>
+          <a:p>
+            <a:pPr lvl="2"/>
+            <a:r>
+              <a:rPr lang="en-US" dirty="0"/>
+              <a:t>Make sure data has required columns that I have deemed important </a:t>
+            </a:r>
+          </a:p>
+          <a:p>
+            <a:pPr lvl="2"/>
+            <a:r>
+              <a:rPr lang="en-US" dirty="0"/>
+              <a:t>Minimum number of ratings</a:t>
+            </a:r>
+          </a:p>
+          <a:p>
+            <a:pPr lvl="1"/>
+            <a:r>
+              <a:rPr lang="en-US" dirty="0"/>
+              <a:t>Figure out how to categorize</a:t>
+            </a:r>
+          </a:p>
+          <a:p>
+            <a:pPr lvl="2"/>
+            <a:r>
+              <a:rPr lang="en-US" dirty="0"/>
+              <a:t>Tags</a:t>
+            </a:r>
+          </a:p>
+          <a:p>
+            <a:pPr lvl="2"/>
+            <a:r>
+              <a:rPr lang="en-US" dirty="0"/>
+              <a:t>Ingredient list</a:t>
+            </a:r>
+          </a:p>
+          <a:p>
+            <a:r>
+              <a:rPr lang="en-US" dirty="0"/>
+              <a:t>Week 2</a:t>
+            </a:r>
+          </a:p>
+          <a:p>
+            <a:pPr lvl="1"/>
+            <a:r>
+              <a:rPr lang="en-US" dirty="0"/>
+              <a:t>Develop Scoring algorithm</a:t>
+            </a:r>
+          </a:p>
+          <a:p>
+            <a:pPr lvl="2"/>
+            <a:r>
+              <a:rPr lang="en-US" dirty="0"/>
+              <a:t>Number of steps</a:t>
+            </a:r>
+          </a:p>
+          <a:p>
+            <a:pPr lvl="2"/>
+            <a:r>
+              <a:rPr lang="en-US" dirty="0"/>
+              <a:t>Average rating</a:t>
+            </a:r>
+          </a:p>
+          <a:p>
+            <a:pPr lvl="2"/>
+            <a:r>
+              <a:rPr lang="en-US" dirty="0"/>
+              <a:t>Time to prepare</a:t>
+            </a:r>
+          </a:p>
+          <a:p>
+            <a:pPr lvl="2"/>
+            <a:r>
+              <a:rPr lang="en-US" dirty="0"/>
+              <a:t>User preferences/priorities (low-calorie, gluten-free, prep time)</a:t>
+            </a:r>
+          </a:p>
+          <a:p>
+            <a:pPr lvl="2"/>
+            <a:r>
+              <a:rPr lang="en-US" dirty="0"/>
+              <a:t>Ingredients</a:t>
+            </a:r>
+          </a:p>
+          <a:p>
+            <a:pPr lvl="3"/>
+            <a:r>
+              <a:rPr lang="en-US" dirty="0"/>
+              <a:t>Number</a:t>
+            </a:r>
+          </a:p>
+          <a:p>
+            <a:pPr lvl="3"/>
+            <a:r>
+              <a:rPr lang="en-US" dirty="0"/>
+              <a:t>Exoticness of ingredients</a:t>
+            </a:r>
+          </a:p>
+          <a:p>
+            <a:pPr lvl="4"/>
+            <a:r>
+              <a:rPr lang="en-US" dirty="0"/>
+              <a:t>How to rate?</a:t>
+            </a:r>
+          </a:p>
+          <a:p>
+            <a:pPr lvl="3"/>
+            <a:endParaRPr lang="en-US" dirty="0"/>
+          </a:p>
+          <a:p>
+            <a:pPr lvl="1"/>
+            <a:r>
+              <a:rPr lang="en-US" dirty="0"/>
+              <a:t>Filtering of recipes</a:t>
+            </a:r>
+          </a:p>
+          <a:p>
+            <a:pPr lvl="2"/>
+            <a:r>
+              <a:rPr lang="en-US" dirty="0"/>
+              <a:t>Focus on vegan/vegetarian?</a:t>
+            </a:r>
+          </a:p>
+          <a:p>
+            <a:pPr lvl="2"/>
+            <a:r>
+              <a:rPr lang="en-US" dirty="0"/>
+              <a:t>See how they are titled to see how search could work (</a:t>
+            </a:r>
+            <a:r>
+              <a:rPr lang="en-US" dirty="0" err="1"/>
+              <a:t>ie</a:t>
+            </a:r>
+            <a:r>
+              <a:rPr lang="en-US" dirty="0"/>
+              <a:t> “butternut squash soup” gets all soups that meet that requirement)</a:t>
+            </a:r>
+          </a:p>
+          <a:p>
+            <a:pPr lvl="3"/>
+            <a:r>
+              <a:rPr lang="en-US" dirty="0"/>
+              <a:t>Similarity of search phrase (NLTK)</a:t>
+            </a:r>
+          </a:p>
+          <a:p>
+            <a:pPr lvl="1"/>
+            <a:r>
+              <a:rPr lang="en-US" dirty="0"/>
+              <a:t>Week 3</a:t>
+            </a:r>
+          </a:p>
+          <a:p>
+            <a:pPr lvl="2"/>
+            <a:r>
+              <a:rPr lang="en-US" dirty="0"/>
+              <a:t>Implement optimizer to deliver 5 best recipes with user comments</a:t>
+            </a:r>
+          </a:p>
+          <a:p>
+            <a:pPr lvl="1"/>
+            <a:r>
+              <a:rPr lang="en-US" dirty="0"/>
+              <a:t>Week 4 </a:t>
+            </a:r>
+          </a:p>
+          <a:p>
+            <a:pPr lvl="2"/>
+            <a:r>
+              <a:rPr lang="en-US" dirty="0"/>
+              <a:t>Troubleshooting buffer</a:t>
+            </a:r>
+          </a:p>
+          <a:p>
+            <a:pPr lvl="2"/>
+            <a:r>
+              <a:rPr lang="en-US" dirty="0"/>
+              <a:t>Deploy to web?</a:t>
+            </a:r>
+          </a:p>
+          <a:p>
+            <a:pPr lvl="2"/>
+            <a:endParaRPr lang="en-US" dirty="0"/>
+          </a:p>
+        </p:txBody>
+      </p:sp>
+    </p:spTree>
+    <p:extLst>
+      <p:ext uri="{BB962C8B-B14F-4D97-AF65-F5344CB8AC3E}">
+        <p14:creationId xmlns:p14="http://schemas.microsoft.com/office/powerpoint/2010/main" val="3664825458"/>
+      </p:ext>
+    </p:extLst>
+  </p:cSld>
+  <p:clrMapOvr>
+    <a:masterClrMapping/>
+  </p:clrMapOvr>
+</p:sld>
+</file>
+
+<file path=ppt/slides/slide6.xml><?xml version="1.0" encoding="utf-8"?>
+<p:sld xmlns:a="http://schemas.openxmlformats.org/drawingml/2006/main" xmlns:r="http://schemas.openxmlformats.org/officeDocument/2006/relationships" xmlns:p="http://schemas.openxmlformats.org/presentationml/2006/main">
+  <p:cSld>
+    <p:spTree>
+      <p:nvGrpSpPr>
+        <p:cNvPr id="1" name=""/>
+        <p:cNvGrpSpPr/>
+        <p:nvPr/>
+      </p:nvGrpSpPr>
+      <p:grpSpPr>
+        <a:xfrm>
+          <a:off x="0" y="0"/>
+          <a:ext cx="0" cy="0"/>
+          <a:chOff x="0" y="0"/>
+          <a:chExt cx="0" cy="0"/>
+        </a:xfrm>
+      </p:grpSpPr>
+      <p:sp>
+        <p:nvSpPr>
+          <p:cNvPr id="2" name="Title 1">
+            <a:extLst>
+              <a:ext uri="{FF2B5EF4-FFF2-40B4-BE49-F238E27FC236}">
+                <a16:creationId xmlns:a16="http://schemas.microsoft.com/office/drawing/2014/main" id="{00F7C74C-397C-4D74-9411-621F70771B79}"/>
+              </a:ext>
+            </a:extLst>
+          </p:cNvPr>
+          <p:cNvSpPr>
+            <a:spLocks noGrp="1"/>
+          </p:cNvSpPr>
+          <p:nvPr>
+            <p:ph type="title"/>
+          </p:nvPr>
+        </p:nvSpPr>
+        <p:spPr/>
+        <p:txBody>
+          <a:bodyPr/>
+          <a:lstStyle/>
+          <a:p>
+            <a:r>
+              <a:rPr lang="en-US" dirty="0"/>
+              <a:t>Optimum Recipe Generator	</a:t>
+            </a:r>
+          </a:p>
+        </p:txBody>
+      </p:sp>
+      <p:sp>
+        <p:nvSpPr>
+          <p:cNvPr id="3" name="Content Placeholder 2">
+            <a:extLst>
+              <a:ext uri="{FF2B5EF4-FFF2-40B4-BE49-F238E27FC236}">
+                <a16:creationId xmlns:a16="http://schemas.microsoft.com/office/drawing/2014/main" id="{A964D203-0F78-4E74-9CD6-3B297CB554D2}"/>
+              </a:ext>
+            </a:extLst>
+          </p:cNvPr>
+          <p:cNvSpPr>
+            <a:spLocks noGrp="1"/>
+          </p:cNvSpPr>
+          <p:nvPr>
+            <p:ph idx="1"/>
+          </p:nvPr>
+        </p:nvSpPr>
+        <p:spPr/>
+        <p:txBody>
+          <a:bodyPr/>
+          <a:lstStyle/>
+          <a:p>
+            <a:r>
+              <a:rPr lang="en-US" dirty="0"/>
+              <a:t>Inputs:</a:t>
+            </a:r>
+          </a:p>
+          <a:p>
+            <a:pPr lvl="1"/>
+            <a:r>
+              <a:rPr lang="en-US" dirty="0"/>
+              <a:t>Recipe search</a:t>
+            </a:r>
+          </a:p>
+          <a:p>
+            <a:pPr lvl="1"/>
+            <a:r>
+              <a:rPr lang="en-US" dirty="0"/>
+              <a:t>Preferences</a:t>
+            </a:r>
+          </a:p>
+          <a:p>
+            <a:r>
+              <a:rPr lang="en-US" dirty="0"/>
+              <a:t>Outputs:</a:t>
+            </a:r>
+          </a:p>
+          <a:p>
+            <a:pPr lvl="1"/>
+            <a:r>
+              <a:rPr lang="en-US" dirty="0"/>
+              <a:t>Top 5 Recipes</a:t>
+            </a:r>
+          </a:p>
+          <a:p>
+            <a:pPr lvl="1"/>
+            <a:r>
+              <a:rPr lang="en-US" dirty="0"/>
+              <a:t>Common Ingredients</a:t>
+            </a:r>
+          </a:p>
+        </p:txBody>
+      </p:sp>
+    </p:spTree>
+    <p:extLst>
+      <p:ext uri="{BB962C8B-B14F-4D97-AF65-F5344CB8AC3E}">
+        <p14:creationId xmlns:p14="http://schemas.microsoft.com/office/powerpoint/2010/main" val="1812637544"/>
+      </p:ext>
+    </p:extLst>
+  </p:cSld>
+  <p:clrMapOvr>
+    <a:masterClrMapping/>
+  </p:clrMapOvr>
+</p:sld>
+</file>
+
 <file path=ppt/theme/theme1.xml><?xml version="1.0" encoding="utf-8"?>
 <a:theme xmlns:a="http://schemas.openxmlformats.org/drawingml/2006/main" name="Office Theme">
   <a:themeElements>
@@ -4166,4 +5041,299 @@
     </a:ext>
   </a:extLst>
 </a:theme>
+</file>
+
+<file path=ppt/theme/theme2.xml><?xml version="1.0" encoding="utf-8"?>
+<a:theme xmlns:a="http://schemas.openxmlformats.org/drawingml/2006/main" name="Office Theme">
+  <a:themeElements>
+    <a:clrScheme name="Office">
+      <a:dk1>
+        <a:sysClr val="windowText" lastClr="000000"/>
+      </a:dk1>
+      <a:lt1>
+        <a:sysClr val="window" lastClr="FFFFFF"/>
+      </a:lt1>
+      <a:dk2>
+        <a:srgbClr val="44546A"/>
+      </a:dk2>
+      <a:lt2>
+        <a:srgbClr val="E7E6E6"/>
+      </a:lt2>
+      <a:accent1>
+        <a:srgbClr val="4472C4"/>
+      </a:accent1>
+      <a:accent2>
+        <a:srgbClr val="ED7D31"/>
+      </a:accent2>
+      <a:accent3>
+        <a:srgbClr val="A5A5A5"/>
+      </a:accent3>
+      <a:accent4>
+        <a:srgbClr val="FFC000"/>
+      </a:accent4>
+      <a:accent5>
+        <a:srgbClr val="5B9BD5"/>
+      </a:accent5>
+      <a:accent6>
+        <a:srgbClr val="70AD47"/>
+      </a:accent6>
+      <a:hlink>
+        <a:srgbClr val="0563C1"/>
+      </a:hlink>
+      <a:folHlink>
+        <a:srgbClr val="954F72"/>
+      </a:folHlink>
+    </a:clrScheme>
+    <a:fontScheme name="Office">
+      <a:majorFont>
+        <a:latin typeface="Calibri Light" panose="020F0302020204030204"/>
+        <a:ea typeface=""/>
+        <a:cs typeface=""/>
+        <a:font script="Jpan" typeface="游ゴシック Light"/>
+        <a:font script="Hang" typeface="맑은 고딕"/>
+        <a:font script="Hans" typeface="等线 Light"/>
+        <a:font script="Hant" typeface="新細明體"/>
+        <a:font script="Arab" typeface="Times New Roman"/>
+        <a:font script="Hebr" typeface="Times New Roman"/>
+        <a:font script="Thai" typeface="Angsana New"/>
+        <a:font script="Ethi" typeface="Nyala"/>
+        <a:font script="Beng" typeface="Vrinda"/>
+        <a:font script="Gujr" typeface="Shruti"/>
+        <a:font script="Khmr" typeface="MoolBoran"/>
+        <a:font script="Knda" typeface="Tunga"/>
+        <a:font script="Guru" typeface="Raavi"/>
+        <a:font script="Cans" typeface="Euphemia"/>
+        <a:font script="Cher" typeface="Plantagenet Cherokee"/>
+        <a:font script="Yiii" typeface="Microsoft Yi Baiti"/>
+        <a:font script="Tibt" typeface="Microsoft Himalaya"/>
+        <a:font script="Thaa" typeface="MV Boli"/>
+        <a:font script="Deva" typeface="Mangal"/>
+        <a:font script="Telu" typeface="Gautami"/>
+        <a:font script="Taml" typeface="Latha"/>
+        <a:font script="Syrc" typeface="Estrangelo Edessa"/>
+        <a:font script="Orya" typeface="Kalinga"/>
+        <a:font script="Mlym" typeface="Kartika"/>
+        <a:font script="Laoo" typeface="DokChampa"/>
+        <a:font script="Sinh" typeface="Iskoola Pota"/>
+        <a:font script="Mong" typeface="Mongolian Baiti"/>
+        <a:font script="Viet" typeface="Times New Roman"/>
+        <a:font script="Uigh" typeface="Microsoft Uighur"/>
+        <a:font script="Geor" typeface="Sylfaen"/>
+        <a:font script="Armn" typeface="Arial"/>
+        <a:font script="Bugi" typeface="Leelawadee UI"/>
+        <a:font script="Bopo" typeface="Microsoft JhengHei"/>
+        <a:font script="Java" typeface="Javanese Text"/>
+        <a:font script="Lisu" typeface="Segoe UI"/>
+        <a:font script="Mymr" typeface="Myanmar Text"/>
+        <a:font script="Nkoo" typeface="Ebrima"/>
+        <a:font script="Olck" typeface="Nirmala UI"/>
+        <a:font script="Osma" typeface="Ebrima"/>
+        <a:font script="Phag" typeface="Phagspa"/>
+        <a:font script="Syrn" typeface="Estrangelo Edessa"/>
+        <a:font script="Syrj" typeface="Estrangelo Edessa"/>
+        <a:font script="Syre" typeface="Estrangelo Edessa"/>
+        <a:font script="Sora" typeface="Nirmala UI"/>
+        <a:font script="Tale" typeface="Microsoft Tai Le"/>
+        <a:font script="Talu" typeface="Microsoft New Tai Lue"/>
+        <a:font script="Tfng" typeface="Ebrima"/>
+      </a:majorFont>
+      <a:minorFont>
+        <a:latin typeface="Calibri" panose="020F0502020204030204"/>
+        <a:ea typeface=""/>
+        <a:cs typeface=""/>
+        <a:font script="Jpan" typeface="游ゴシック"/>
+        <a:font script="Hang" typeface="맑은 고딕"/>
+        <a:font script="Hans" typeface="等线"/>
+        <a:font script="Hant" typeface="新細明體"/>
+        <a:font script="Arab" typeface="Arial"/>
+        <a:font script="Hebr" typeface="Arial"/>
+        <a:font script="Thai" typeface="Cordia New"/>
+        <a:font script="Ethi" typeface="Nyala"/>
+        <a:font script="Beng" typeface="Vrinda"/>
+        <a:font script="Gujr" typeface="Shruti"/>
+        <a:font script="Khmr" typeface="DaunPenh"/>
+        <a:font script="Knda" typeface="Tunga"/>
+        <a:font script="Guru" typeface="Raavi"/>
+        <a:font script="Cans" typeface="Euphemia"/>
+        <a:font script="Cher" typeface="Plantagenet Cherokee"/>
+        <a:font script="Yiii" typeface="Microsoft Yi Baiti"/>
+        <a:font script="Tibt" typeface="Microsoft Himalaya"/>
+        <a:font script="Thaa" typeface="MV Boli"/>
+        <a:font script="Deva" typeface="Mangal"/>
+        <a:font script="Telu" typeface="Gautami"/>
+        <a:font script="Taml" typeface="Latha"/>
+        <a:font script="Syrc" typeface="Estrangelo Edessa"/>
+        <a:font script="Orya" typeface="Kalinga"/>
+        <a:font script="Mlym" typeface="Kartika"/>
+        <a:font script="Laoo" typeface="DokChampa"/>
+        <a:font script="Sinh" typeface="Iskoola Pota"/>
+        <a:font script="Mong" typeface="Mongolian Baiti"/>
+        <a:font script="Viet" typeface="Arial"/>
+        <a:font script="Uigh" typeface="Microsoft Uighur"/>
+        <a:font script="Geor" typeface="Sylfaen"/>
+        <a:font script="Armn" typeface="Arial"/>
+        <a:font script="Bugi" typeface="Leelawadee UI"/>
+        <a:font script="Bopo" typeface="Microsoft JhengHei"/>
+        <a:font script="Java" typeface="Javanese Text"/>
+        <a:font script="Lisu" typeface="Segoe UI"/>
+        <a:font script="Mymr" typeface="Myanmar Text"/>
+        <a:font script="Nkoo" typeface="Ebrima"/>
+        <a:font script="Olck" typeface="Nirmala UI"/>
+        <a:font script="Osma" typeface="Ebrima"/>
+        <a:font script="Phag" typeface="Phagspa"/>
+        <a:font script="Syrn" typeface="Estrangelo Edessa"/>
+        <a:font script="Syrj" typeface="Estrangelo Edessa"/>
+        <a:font script="Syre" typeface="Estrangelo Edessa"/>
+        <a:font script="Sora" typeface="Nirmala UI"/>
+        <a:font script="Tale" typeface="Microsoft Tai Le"/>
+        <a:font script="Talu" typeface="Microsoft New Tai Lue"/>
+        <a:font script="Tfng" typeface="Ebrima"/>
+      </a:minorFont>
+    </a:fontScheme>
+    <a:fmtScheme name="Office">
+      <a:fillStyleLst>
+        <a:solidFill>
+          <a:schemeClr val="phClr"/>
+        </a:solidFill>
+        <a:gradFill rotWithShape="1">
+          <a:gsLst>
+            <a:gs pos="0">
+              <a:schemeClr val="phClr">
+                <a:lumMod val="110000"/>
+                <a:satMod val="105000"/>
+                <a:tint val="67000"/>
+              </a:schemeClr>
+            </a:gs>
+            <a:gs pos="50000">
+              <a:schemeClr val="phClr">
+                <a:lumMod val="105000"/>
+                <a:satMod val="103000"/>
+                <a:tint val="73000"/>
+              </a:schemeClr>
+            </a:gs>
+            <a:gs pos="100000">
+              <a:schemeClr val="phClr">
+                <a:lumMod val="105000"/>
+                <a:satMod val="109000"/>
+                <a:tint val="81000"/>
+              </a:schemeClr>
+            </a:gs>
+          </a:gsLst>
+          <a:lin ang="5400000" scaled="0"/>
+        </a:gradFill>
+        <a:gradFill rotWithShape="1">
+          <a:gsLst>
+            <a:gs pos="0">
+              <a:schemeClr val="phClr">
+                <a:satMod val="103000"/>
+                <a:lumMod val="102000"/>
+                <a:tint val="94000"/>
+              </a:schemeClr>
+            </a:gs>
+            <a:gs pos="50000">
+              <a:schemeClr val="phClr">
+                <a:satMod val="110000"/>
+                <a:lumMod val="100000"/>
+                <a:shade val="100000"/>
+              </a:schemeClr>
+            </a:gs>
+            <a:gs pos="100000">
+              <a:schemeClr val="phClr">
+                <a:lumMod val="99000"/>
+                <a:satMod val="120000"/>
+                <a:shade val="78000"/>
+              </a:schemeClr>
+            </a:gs>
+          </a:gsLst>
+          <a:lin ang="5400000" scaled="0"/>
+        </a:gradFill>
+      </a:fillStyleLst>
+      <a:lnStyleLst>
+        <a:ln w="6350" cap="flat" cmpd="sng" algn="ctr">
+          <a:solidFill>
+            <a:schemeClr val="phClr"/>
+          </a:solidFill>
+          <a:prstDash val="solid"/>
+          <a:miter lim="800000"/>
+        </a:ln>
+        <a:ln w="12700" cap="flat" cmpd="sng" algn="ctr">
+          <a:solidFill>
+            <a:schemeClr val="phClr"/>
+          </a:solidFill>
+          <a:prstDash val="solid"/>
+          <a:miter lim="800000"/>
+        </a:ln>
+        <a:ln w="19050" cap="flat" cmpd="sng" algn="ctr">
+          <a:solidFill>
+            <a:schemeClr val="phClr"/>
+          </a:solidFill>
+          <a:prstDash val="solid"/>
+          <a:miter lim="800000"/>
+        </a:ln>
+      </a:lnStyleLst>
+      <a:effectStyleLst>
+        <a:effectStyle>
+          <a:effectLst/>
+        </a:effectStyle>
+        <a:effectStyle>
+          <a:effectLst/>
+        </a:effectStyle>
+        <a:effectStyle>
+          <a:effectLst>
+            <a:outerShdw blurRad="57150" dist="19050" dir="5400000" algn="ctr" rotWithShape="0">
+              <a:srgbClr val="000000">
+                <a:alpha val="63000"/>
+              </a:srgbClr>
+            </a:outerShdw>
+          </a:effectLst>
+        </a:effectStyle>
+      </a:effectStyleLst>
+      <a:bgFillStyleLst>
+        <a:solidFill>
+          <a:schemeClr val="phClr"/>
+        </a:solidFill>
+        <a:solidFill>
+          <a:schemeClr val="phClr">
+            <a:tint val="95000"/>
+            <a:satMod val="170000"/>
+          </a:schemeClr>
+        </a:solidFill>
+        <a:gradFill rotWithShape="1">
+          <a:gsLst>
+            <a:gs pos="0">
+              <a:schemeClr val="phClr">
+                <a:tint val="93000"/>
+                <a:satMod val="150000"/>
+                <a:shade val="98000"/>
+                <a:lumMod val="102000"/>
+              </a:schemeClr>
+            </a:gs>
+            <a:gs pos="50000">
+              <a:schemeClr val="phClr">
+                <a:tint val="98000"/>
+                <a:satMod val="130000"/>
+                <a:shade val="90000"/>
+                <a:lumMod val="103000"/>
+              </a:schemeClr>
+            </a:gs>
+            <a:gs pos="100000">
+              <a:schemeClr val="phClr">
+                <a:shade val="63000"/>
+                <a:satMod val="120000"/>
+              </a:schemeClr>
+            </a:gs>
+          </a:gsLst>
+          <a:lin ang="5400000" scaled="0"/>
+        </a:gradFill>
+      </a:bgFillStyleLst>
+    </a:fmtScheme>
+  </a:themeElements>
+  <a:objectDefaults/>
+  <a:extraClrSchemeLst/>
+  <a:extLst>
+    <a:ext uri="{05A4C25C-085E-4340-85A3-A5531E510DB2}">
+      <thm15:themeFamily xmlns:thm15="http://schemas.microsoft.com/office/thememl/2012/main" name="Office Theme" id="{62F939B6-93AF-4DB8-9C6B-D6C7DFDC589F}" vid="{4A3C46E8-61CC-4603-A589-7422A47A8E4A}"/>
+    </a:ext>
+  </a:extLst>
+</a:theme>
 </file>
--- a/Final Project Ideas.pptx
+++ b/Final Project Ideas.pptx
@@ -13,7 +13,7 @@
     <p:sldId id="258" r:id="rId4"/>
     <p:sldId id="259" r:id="rId5"/>
     <p:sldId id="260" r:id="rId6"/>
-    <p:sldId id="261" r:id="rId7"/>
+    <p:sldId id="262" r:id="rId7"/>
   </p:sldIdLst>
   <p:sldSz cx="12192000" cy="6858000"/>
   <p:notesSz cx="6858000" cy="9144000"/>
@@ -122,13 +122,16 @@
             <p14:sldId id="258"/>
             <p14:sldId id="259"/>
             <p14:sldId id="260"/>
-            <p14:sldId id="261"/>
+            <p14:sldId id="262"/>
           </p14:sldIdLst>
         </p14:section>
       </p14:sectionLst>
     </p:ext>
     <p:ext uri="{EFAFB233-063F-42B5-8137-9DF3F51BA10A}">
       <p15:sldGuideLst xmlns:p15="http://schemas.microsoft.com/office/powerpoint/2012/main"/>
+    </p:ext>
+    <p:ext uri="{2D200454-40CA-4A62-9FC3-DE9A4176ACB9}">
+      <p15:notesGuideLst xmlns:p15="http://schemas.microsoft.com/office/powerpoint/2012/main"/>
     </p:ext>
   </p:extLst>
 </p:presentation>
@@ -216,7 +219,7 @@
           <a:p>
             <a:fld id="{04BC9019-C8A6-4B90-8F56-686087AC6712}" type="datetimeFigureOut">
               <a:rPr lang="en-US" smtClean="0"/>
-              <a:t>3/5/2021</a:t>
+              <a:t>3/6/2021</a:t>
             </a:fld>
             <a:endParaRPr lang="en-US"/>
           </a:p>
@@ -720,7 +723,7 @@
           <a:p>
             <a:fld id="{E25CC89C-45C9-47D1-BCFB-36AC0404138F}" type="datetimeFigureOut">
               <a:rPr lang="en-US" smtClean="0"/>
-              <a:t>3/5/2021</a:t>
+              <a:t>3/6/2021</a:t>
             </a:fld>
             <a:endParaRPr lang="en-US"/>
           </a:p>
@@ -918,7 +921,7 @@
           <a:p>
             <a:fld id="{E25CC89C-45C9-47D1-BCFB-36AC0404138F}" type="datetimeFigureOut">
               <a:rPr lang="en-US" smtClean="0"/>
-              <a:t>3/5/2021</a:t>
+              <a:t>3/6/2021</a:t>
             </a:fld>
             <a:endParaRPr lang="en-US"/>
           </a:p>
@@ -1126,7 +1129,7 @@
           <a:p>
             <a:fld id="{E25CC89C-45C9-47D1-BCFB-36AC0404138F}" type="datetimeFigureOut">
               <a:rPr lang="en-US" smtClean="0"/>
-              <a:t>3/5/2021</a:t>
+              <a:t>3/6/2021</a:t>
             </a:fld>
             <a:endParaRPr lang="en-US"/>
           </a:p>
@@ -1324,7 +1327,7 @@
           <a:p>
             <a:fld id="{E25CC89C-45C9-47D1-BCFB-36AC0404138F}" type="datetimeFigureOut">
               <a:rPr lang="en-US" smtClean="0"/>
-              <a:t>3/5/2021</a:t>
+              <a:t>3/6/2021</a:t>
             </a:fld>
             <a:endParaRPr lang="en-US"/>
           </a:p>
@@ -1599,7 +1602,7 @@
           <a:p>
             <a:fld id="{E25CC89C-45C9-47D1-BCFB-36AC0404138F}" type="datetimeFigureOut">
               <a:rPr lang="en-US" smtClean="0"/>
-              <a:t>3/5/2021</a:t>
+              <a:t>3/6/2021</a:t>
             </a:fld>
             <a:endParaRPr lang="en-US"/>
           </a:p>
@@ -1864,7 +1867,7 @@
           <a:p>
             <a:fld id="{E25CC89C-45C9-47D1-BCFB-36AC0404138F}" type="datetimeFigureOut">
               <a:rPr lang="en-US" smtClean="0"/>
-              <a:t>3/5/2021</a:t>
+              <a:t>3/6/2021</a:t>
             </a:fld>
             <a:endParaRPr lang="en-US"/>
           </a:p>
@@ -2276,7 +2279,7 @@
           <a:p>
             <a:fld id="{E25CC89C-45C9-47D1-BCFB-36AC0404138F}" type="datetimeFigureOut">
               <a:rPr lang="en-US" smtClean="0"/>
-              <a:t>3/5/2021</a:t>
+              <a:t>3/6/2021</a:t>
             </a:fld>
             <a:endParaRPr lang="en-US"/>
           </a:p>
@@ -2417,7 +2420,7 @@
           <a:p>
             <a:fld id="{E25CC89C-45C9-47D1-BCFB-36AC0404138F}" type="datetimeFigureOut">
               <a:rPr lang="en-US" smtClean="0"/>
-              <a:t>3/5/2021</a:t>
+              <a:t>3/6/2021</a:t>
             </a:fld>
             <a:endParaRPr lang="en-US"/>
           </a:p>
@@ -2530,7 +2533,7 @@
           <a:p>
             <a:fld id="{E25CC89C-45C9-47D1-BCFB-36AC0404138F}" type="datetimeFigureOut">
               <a:rPr lang="en-US" smtClean="0"/>
-              <a:t>3/5/2021</a:t>
+              <a:t>3/6/2021</a:t>
             </a:fld>
             <a:endParaRPr lang="en-US"/>
           </a:p>
@@ -2841,7 +2844,7 @@
           <a:p>
             <a:fld id="{E25CC89C-45C9-47D1-BCFB-36AC0404138F}" type="datetimeFigureOut">
               <a:rPr lang="en-US" smtClean="0"/>
-              <a:t>3/5/2021</a:t>
+              <a:t>3/6/2021</a:t>
             </a:fld>
             <a:endParaRPr lang="en-US"/>
           </a:p>
@@ -3129,7 +3132,7 @@
           <a:p>
             <a:fld id="{E25CC89C-45C9-47D1-BCFB-36AC0404138F}" type="datetimeFigureOut">
               <a:rPr lang="en-US" smtClean="0"/>
-              <a:t>3/5/2021</a:t>
+              <a:t>3/6/2021</a:t>
             </a:fld>
             <a:endParaRPr lang="en-US"/>
           </a:p>
@@ -3370,7 +3373,7 @@
           <a:p>
             <a:fld id="{E25CC89C-45C9-47D1-BCFB-36AC0404138F}" type="datetimeFigureOut">
               <a:rPr lang="en-US" smtClean="0"/>
-              <a:t>3/5/2021</a:t>
+              <a:t>3/6/2021</a:t>
             </a:fld>
             <a:endParaRPr lang="en-US"/>
           </a:p>
@@ -4466,6 +4469,21 @@
             </a:r>
           </a:p>
           <a:p>
+            <a:pPr lvl="3"/>
+            <a:r>
+              <a:rPr lang="en-US" dirty="0"/>
+              <a:t>Clean up ingredients (</a:t>
+            </a:r>
+            <a:r>
+              <a:rPr lang="en-US" dirty="0" err="1"/>
+              <a:t>ie</a:t>
+            </a:r>
+            <a:r>
+              <a:rPr lang="en-US" dirty="0"/>
+              <a:t> “ground pepper, ground black pepper, black pepper”</a:t>
+            </a:r>
+          </a:p>
+          <a:p>
             <a:r>
               <a:rPr lang="en-US" dirty="0"/>
               <a:t>Week 2</a:t>
@@ -4650,7 +4668,7 @@
           <p:cNvPr id="2" name="Title 1">
             <a:extLst>
               <a:ext uri="{FF2B5EF4-FFF2-40B4-BE49-F238E27FC236}">
-                <a16:creationId xmlns:a16="http://schemas.microsoft.com/office/drawing/2014/main" id="{00F7C74C-397C-4D74-9411-621F70771B79}"/>
+                <a16:creationId xmlns:a16="http://schemas.microsoft.com/office/drawing/2014/main" id="{47217D24-6EC7-4D5C-9FEA-440FBD05A9B6}"/>
               </a:ext>
             </a:extLst>
           </p:cNvPr>
@@ -4668,77 +4686,753 @@
           <a:p>
             <a:r>
               <a:rPr lang="en-US" dirty="0"/>
-              <a:t>Optimum Recipe Generator	</a:t>
-            </a:r>
-          </a:p>
-        </p:txBody>
-      </p:sp>
-      <p:sp>
-        <p:nvSpPr>
-          <p:cNvPr id="3" name="Content Placeholder 2">
-            <a:extLst>
-              <a:ext uri="{FF2B5EF4-FFF2-40B4-BE49-F238E27FC236}">
-                <a16:creationId xmlns:a16="http://schemas.microsoft.com/office/drawing/2014/main" id="{A964D203-0F78-4E74-9CD6-3B297CB554D2}"/>
-              </a:ext>
-            </a:extLst>
-          </p:cNvPr>
-          <p:cNvSpPr>
-            <a:spLocks noGrp="1"/>
-          </p:cNvSpPr>
+              <a:t>Project Timeline</a:t>
+            </a:r>
+          </a:p>
+        </p:txBody>
+      </p:sp>
+      <p:graphicFrame>
+        <p:nvGraphicFramePr>
+          <p:cNvPr id="4" name="Table 4">
+            <a:extLst>
+              <a:ext uri="{FF2B5EF4-FFF2-40B4-BE49-F238E27FC236}">
+                <a16:creationId xmlns:a16="http://schemas.microsoft.com/office/drawing/2014/main" id="{2F0FAF73-30E9-41E3-AD4E-8D8B66565704}"/>
+              </a:ext>
+            </a:extLst>
+          </p:cNvPr>
+          <p:cNvGraphicFramePr>
+            <a:graphicFrameLocks noGrp="1"/>
+          </p:cNvGraphicFramePr>
           <p:nvPr>
             <p:ph idx="1"/>
-          </p:nvPr>
-        </p:nvSpPr>
-        <p:spPr/>
-        <p:txBody>
-          <a:bodyPr/>
-          <a:lstStyle/>
-          <a:p>
-            <a:r>
-              <a:rPr lang="en-US" dirty="0"/>
-              <a:t>Inputs:</a:t>
-            </a:r>
-          </a:p>
-          <a:p>
-            <a:pPr lvl="1"/>
-            <a:r>
-              <a:rPr lang="en-US" dirty="0"/>
-              <a:t>Recipe search</a:t>
-            </a:r>
-          </a:p>
-          <a:p>
-            <a:pPr lvl="1"/>
-            <a:r>
-              <a:rPr lang="en-US" dirty="0"/>
-              <a:t>Preferences</a:t>
-            </a:r>
-          </a:p>
-          <a:p>
-            <a:r>
-              <a:rPr lang="en-US" dirty="0"/>
-              <a:t>Outputs:</a:t>
-            </a:r>
-          </a:p>
-          <a:p>
-            <a:pPr lvl="1"/>
-            <a:r>
-              <a:rPr lang="en-US" dirty="0"/>
-              <a:t>Top 5 Recipes</a:t>
-            </a:r>
-          </a:p>
-          <a:p>
-            <a:pPr lvl="1"/>
-            <a:r>
-              <a:rPr lang="en-US" dirty="0"/>
-              <a:t>Common Ingredients</a:t>
-            </a:r>
+            <p:extLst>
+              <p:ext uri="{D42A27DB-BD31-4B8C-83A1-F6EECF244321}">
+                <p14:modId xmlns:p14="http://schemas.microsoft.com/office/powerpoint/2010/main" val="446993624"/>
+              </p:ext>
+            </p:extLst>
+          </p:nvPr>
+        </p:nvGraphicFramePr>
+        <p:xfrm>
+          <a:off x="963246" y="1575532"/>
+          <a:ext cx="10515600" cy="2219960"/>
+        </p:xfrm>
+        <a:graphic>
+          <a:graphicData uri="http://schemas.openxmlformats.org/drawingml/2006/table">
+            <a:tbl>
+              <a:tblPr firstRow="1">
+                <a:tableStyleId>{5C22544A-7EE6-4342-B048-85BDC9FD1C3A}</a:tableStyleId>
+              </a:tblPr>
+              <a:tblGrid>
+                <a:gridCol w="3647831">
+                  <a:extLst>
+                    <a:ext uri="{9D8B030D-6E8A-4147-A177-3AD203B41FA5}">
+                      <a16:colId xmlns:a16="http://schemas.microsoft.com/office/drawing/2014/main" val="3886160388"/>
+                    </a:ext>
+                  </a:extLst>
+                </a:gridCol>
+                <a:gridCol w="1453661">
+                  <a:extLst>
+                    <a:ext uri="{9D8B030D-6E8A-4147-A177-3AD203B41FA5}">
+                      <a16:colId xmlns:a16="http://schemas.microsoft.com/office/drawing/2014/main" val="3002162553"/>
+                    </a:ext>
+                  </a:extLst>
+                </a:gridCol>
+                <a:gridCol w="1555262">
+                  <a:extLst>
+                    <a:ext uri="{9D8B030D-6E8A-4147-A177-3AD203B41FA5}">
+                      <a16:colId xmlns:a16="http://schemas.microsoft.com/office/drawing/2014/main" val="518452566"/>
+                    </a:ext>
+                  </a:extLst>
+                </a:gridCol>
+                <a:gridCol w="1755726">
+                  <a:extLst>
+                    <a:ext uri="{9D8B030D-6E8A-4147-A177-3AD203B41FA5}">
+                      <a16:colId xmlns:a16="http://schemas.microsoft.com/office/drawing/2014/main" val="2612756275"/>
+                    </a:ext>
+                  </a:extLst>
+                </a:gridCol>
+                <a:gridCol w="2103120">
+                  <a:extLst>
+                    <a:ext uri="{9D8B030D-6E8A-4147-A177-3AD203B41FA5}">
+                      <a16:colId xmlns:a16="http://schemas.microsoft.com/office/drawing/2014/main" val="876730506"/>
+                    </a:ext>
+                  </a:extLst>
+                </a:gridCol>
+              </a:tblGrid>
+              <a:tr h="370840">
+                <a:tc>
+                  <a:txBody>
+                    <a:bodyPr/>
+                    <a:lstStyle/>
+                    <a:p>
+                      <a:pPr algn="ctr"/>
+                      <a:r>
+                        <a:rPr lang="en-US" dirty="0"/>
+                        <a:t>Task</a:t>
+                      </a:r>
+                    </a:p>
+                  </a:txBody>
+                  <a:tcPr/>
+                </a:tc>
+                <a:tc>
+                  <a:txBody>
+                    <a:bodyPr/>
+                    <a:lstStyle/>
+                    <a:p>
+                      <a:pPr algn="ctr"/>
+                      <a:r>
+                        <a:rPr lang="en-US" dirty="0"/>
+                        <a:t>Week 1</a:t>
+                      </a:r>
+                    </a:p>
+                  </a:txBody>
+                  <a:tcPr/>
+                </a:tc>
+                <a:tc>
+                  <a:txBody>
+                    <a:bodyPr/>
+                    <a:lstStyle/>
+                    <a:p>
+                      <a:pPr algn="ctr"/>
+                      <a:r>
+                        <a:rPr lang="en-US" dirty="0"/>
+                        <a:t>Week 2</a:t>
+                      </a:r>
+                    </a:p>
+                  </a:txBody>
+                  <a:tcPr/>
+                </a:tc>
+                <a:tc>
+                  <a:txBody>
+                    <a:bodyPr/>
+                    <a:lstStyle/>
+                    <a:p>
+                      <a:pPr algn="ctr"/>
+                      <a:r>
+                        <a:rPr lang="en-US" dirty="0"/>
+                        <a:t>Week 3</a:t>
+                      </a:r>
+                    </a:p>
+                  </a:txBody>
+                  <a:tcPr/>
+                </a:tc>
+                <a:tc>
+                  <a:txBody>
+                    <a:bodyPr/>
+                    <a:lstStyle/>
+                    <a:p>
+                      <a:pPr algn="ctr"/>
+                      <a:r>
+                        <a:rPr lang="en-US" dirty="0"/>
+                        <a:t>Week 4</a:t>
+                      </a:r>
+                    </a:p>
+                  </a:txBody>
+                  <a:tcPr/>
+                </a:tc>
+                <a:extLst>
+                  <a:ext uri="{0D108BD9-81ED-4DB2-BD59-A6C34878D82A}">
+                    <a16:rowId xmlns:a16="http://schemas.microsoft.com/office/drawing/2014/main" val="3100596524"/>
+                  </a:ext>
+                </a:extLst>
+              </a:tr>
+              <a:tr h="370840">
+                <a:tc>
+                  <a:txBody>
+                    <a:bodyPr/>
+                    <a:lstStyle/>
+                    <a:p>
+                      <a:pPr marL="0" marR="0" lvl="0" indent="0" algn="l" defTabSz="914400" rtl="0" eaLnBrk="1" fontAlgn="auto" latinLnBrk="0" hangingPunct="1">
+                        <a:lnSpc>
+                          <a:spcPct val="100000"/>
+                        </a:lnSpc>
+                        <a:spcBef>
+                          <a:spcPts val="0"/>
+                        </a:spcBef>
+                        <a:spcAft>
+                          <a:spcPts val="0"/>
+                        </a:spcAft>
+                        <a:buClrTx/>
+                        <a:buSzTx/>
+                        <a:buFontTx/>
+                        <a:buNone/>
+                        <a:tabLst/>
+                        <a:defRPr/>
+                      </a:pPr>
+                      <a:r>
+                        <a:rPr lang="en-US" dirty="0"/>
+                        <a:t>Explore data and clean up data</a:t>
+                      </a:r>
+                    </a:p>
+                  </a:txBody>
+                  <a:tcPr/>
+                </a:tc>
+                <a:tc>
+                  <a:txBody>
+                    <a:bodyPr/>
+                    <a:lstStyle/>
+                    <a:p>
+                      <a:endParaRPr lang="en-US" dirty="0"/>
+                    </a:p>
+                  </a:txBody>
+                  <a:tcPr>
+                    <a:solidFill>
+                      <a:srgbClr val="92D050"/>
+                    </a:solidFill>
+                  </a:tcPr>
+                </a:tc>
+                <a:tc>
+                  <a:txBody>
+                    <a:bodyPr/>
+                    <a:lstStyle/>
+                    <a:p>
+                      <a:endParaRPr lang="en-US" dirty="0"/>
+                    </a:p>
+                  </a:txBody>
+                  <a:tcPr/>
+                </a:tc>
+                <a:tc>
+                  <a:txBody>
+                    <a:bodyPr/>
+                    <a:lstStyle/>
+                    <a:p>
+                      <a:endParaRPr lang="en-US" dirty="0"/>
+                    </a:p>
+                  </a:txBody>
+                  <a:tcPr/>
+                </a:tc>
+                <a:tc>
+                  <a:txBody>
+                    <a:bodyPr/>
+                    <a:lstStyle/>
+                    <a:p>
+                      <a:endParaRPr lang="en-US" dirty="0"/>
+                    </a:p>
+                  </a:txBody>
+                  <a:tcPr/>
+                </a:tc>
+                <a:extLst>
+                  <a:ext uri="{0D108BD9-81ED-4DB2-BD59-A6C34878D82A}">
+                    <a16:rowId xmlns:a16="http://schemas.microsoft.com/office/drawing/2014/main" val="461478686"/>
+                  </a:ext>
+                </a:extLst>
+              </a:tr>
+              <a:tr h="0">
+                <a:tc>
+                  <a:txBody>
+                    <a:bodyPr/>
+                    <a:lstStyle/>
+                    <a:p>
+                      <a:pPr marL="0" marR="0" lvl="0" indent="0" algn="l" defTabSz="914400" rtl="0" eaLnBrk="1" fontAlgn="auto" latinLnBrk="0" hangingPunct="1">
+                        <a:lnSpc>
+                          <a:spcPct val="100000"/>
+                        </a:lnSpc>
+                        <a:spcBef>
+                          <a:spcPts val="0"/>
+                        </a:spcBef>
+                        <a:spcAft>
+                          <a:spcPts val="0"/>
+                        </a:spcAft>
+                        <a:buClrTx/>
+                        <a:buSzTx/>
+                        <a:buFontTx/>
+                        <a:buNone/>
+                        <a:tabLst/>
+                        <a:defRPr/>
+                      </a:pPr>
+                      <a:r>
+                        <a:rPr lang="en-US" dirty="0"/>
+                        <a:t>Develop Scoring algorithm</a:t>
+                      </a:r>
+                    </a:p>
+                  </a:txBody>
+                  <a:tcPr/>
+                </a:tc>
+                <a:tc>
+                  <a:txBody>
+                    <a:bodyPr/>
+                    <a:lstStyle/>
+                    <a:p>
+                      <a:endParaRPr lang="en-US" dirty="0"/>
+                    </a:p>
+                  </a:txBody>
+                  <a:tcPr>
+                    <a:solidFill>
+                      <a:srgbClr val="E9EBF5"/>
+                    </a:solidFill>
+                  </a:tcPr>
+                </a:tc>
+                <a:tc>
+                  <a:txBody>
+                    <a:bodyPr/>
+                    <a:lstStyle/>
+                    <a:p>
+                      <a:endParaRPr lang="en-US" dirty="0"/>
+                    </a:p>
+                  </a:txBody>
+                  <a:tcPr>
+                    <a:solidFill>
+                      <a:srgbClr val="92D050"/>
+                    </a:solidFill>
+                  </a:tcPr>
+                </a:tc>
+                <a:tc>
+                  <a:txBody>
+                    <a:bodyPr/>
+                    <a:lstStyle/>
+                    <a:p>
+                      <a:endParaRPr lang="en-US" dirty="0"/>
+                    </a:p>
+                  </a:txBody>
+                  <a:tcPr/>
+                </a:tc>
+                <a:tc>
+                  <a:txBody>
+                    <a:bodyPr/>
+                    <a:lstStyle/>
+                    <a:p>
+                      <a:endParaRPr lang="en-US" dirty="0"/>
+                    </a:p>
+                  </a:txBody>
+                  <a:tcPr/>
+                </a:tc>
+                <a:extLst>
+                  <a:ext uri="{0D108BD9-81ED-4DB2-BD59-A6C34878D82A}">
+                    <a16:rowId xmlns:a16="http://schemas.microsoft.com/office/drawing/2014/main" val="756152790"/>
+                  </a:ext>
+                </a:extLst>
+              </a:tr>
+              <a:tr h="370840">
+                <a:tc>
+                  <a:txBody>
+                    <a:bodyPr/>
+                    <a:lstStyle/>
+                    <a:p>
+                      <a:pPr marL="0" marR="0" lvl="0" indent="0" algn="l" defTabSz="914400" rtl="0" eaLnBrk="1" fontAlgn="auto" latinLnBrk="0" hangingPunct="1">
+                        <a:lnSpc>
+                          <a:spcPct val="100000"/>
+                        </a:lnSpc>
+                        <a:spcBef>
+                          <a:spcPts val="0"/>
+                        </a:spcBef>
+                        <a:spcAft>
+                          <a:spcPts val="0"/>
+                        </a:spcAft>
+                        <a:buClrTx/>
+                        <a:buSzTx/>
+                        <a:buFontTx/>
+                        <a:buNone/>
+                        <a:tabLst/>
+                        <a:defRPr/>
+                      </a:pPr>
+                      <a:r>
+                        <a:rPr lang="en-US" dirty="0"/>
+                        <a:t>Filtering/Search of Recipes</a:t>
+                      </a:r>
+                    </a:p>
+                  </a:txBody>
+                  <a:tcPr/>
+                </a:tc>
+                <a:tc>
+                  <a:txBody>
+                    <a:bodyPr/>
+                    <a:lstStyle/>
+                    <a:p>
+                      <a:endParaRPr lang="en-US" dirty="0"/>
+                    </a:p>
+                  </a:txBody>
+                  <a:tcPr>
+                    <a:solidFill>
+                      <a:srgbClr val="E9EBF5"/>
+                    </a:solidFill>
+                  </a:tcPr>
+                </a:tc>
+                <a:tc>
+                  <a:txBody>
+                    <a:bodyPr/>
+                    <a:lstStyle/>
+                    <a:p>
+                      <a:endParaRPr lang="en-US" dirty="0"/>
+                    </a:p>
+                  </a:txBody>
+                  <a:tcPr>
+                    <a:solidFill>
+                      <a:srgbClr val="92D050"/>
+                    </a:solidFill>
+                  </a:tcPr>
+                </a:tc>
+                <a:tc>
+                  <a:txBody>
+                    <a:bodyPr/>
+                    <a:lstStyle/>
+                    <a:p>
+                      <a:endParaRPr lang="en-US" dirty="0"/>
+                    </a:p>
+                  </a:txBody>
+                  <a:tcPr/>
+                </a:tc>
+                <a:tc>
+                  <a:txBody>
+                    <a:bodyPr/>
+                    <a:lstStyle/>
+                    <a:p>
+                      <a:endParaRPr lang="en-US" dirty="0"/>
+                    </a:p>
+                  </a:txBody>
+                  <a:tcPr/>
+                </a:tc>
+                <a:extLst>
+                  <a:ext uri="{0D108BD9-81ED-4DB2-BD59-A6C34878D82A}">
+                    <a16:rowId xmlns:a16="http://schemas.microsoft.com/office/drawing/2014/main" val="3224899256"/>
+                  </a:ext>
+                </a:extLst>
+              </a:tr>
+              <a:tr h="370840">
+                <a:tc>
+                  <a:txBody>
+                    <a:bodyPr/>
+                    <a:lstStyle/>
+                    <a:p>
+                      <a:pPr marL="0" marR="0" lvl="0" indent="0" algn="l" defTabSz="914400" rtl="0" eaLnBrk="1" fontAlgn="auto" latinLnBrk="0" hangingPunct="1">
+                        <a:lnSpc>
+                          <a:spcPct val="100000"/>
+                        </a:lnSpc>
+                        <a:spcBef>
+                          <a:spcPts val="0"/>
+                        </a:spcBef>
+                        <a:spcAft>
+                          <a:spcPts val="0"/>
+                        </a:spcAft>
+                        <a:buClrTx/>
+                        <a:buSzTx/>
+                        <a:buFontTx/>
+                        <a:buNone/>
+                        <a:tabLst/>
+                        <a:defRPr/>
+                      </a:pPr>
+                      <a:r>
+                        <a:rPr lang="en-US" dirty="0"/>
+                        <a:t>Recipe Optimizer (Output for user)</a:t>
+                      </a:r>
+                    </a:p>
+                  </a:txBody>
+                  <a:tcPr/>
+                </a:tc>
+                <a:tc>
+                  <a:txBody>
+                    <a:bodyPr/>
+                    <a:lstStyle/>
+                    <a:p>
+                      <a:endParaRPr lang="en-US" dirty="0"/>
+                    </a:p>
+                  </a:txBody>
+                  <a:tcPr>
+                    <a:solidFill>
+                      <a:srgbClr val="E9EBF5"/>
+                    </a:solidFill>
+                  </a:tcPr>
+                </a:tc>
+                <a:tc>
+                  <a:txBody>
+                    <a:bodyPr/>
+                    <a:lstStyle/>
+                    <a:p>
+                      <a:endParaRPr lang="en-US" dirty="0"/>
+                    </a:p>
+                  </a:txBody>
+                  <a:tcPr/>
+                </a:tc>
+                <a:tc>
+                  <a:txBody>
+                    <a:bodyPr/>
+                    <a:lstStyle/>
+                    <a:p>
+                      <a:endParaRPr lang="en-US" dirty="0"/>
+                    </a:p>
+                  </a:txBody>
+                  <a:tcPr>
+                    <a:solidFill>
+                      <a:srgbClr val="92D050"/>
+                    </a:solidFill>
+                  </a:tcPr>
+                </a:tc>
+                <a:tc>
+                  <a:txBody>
+                    <a:bodyPr/>
+                    <a:lstStyle/>
+                    <a:p>
+                      <a:endParaRPr lang="en-US" dirty="0"/>
+                    </a:p>
+                  </a:txBody>
+                  <a:tcPr/>
+                </a:tc>
+                <a:extLst>
+                  <a:ext uri="{0D108BD9-81ED-4DB2-BD59-A6C34878D82A}">
+                    <a16:rowId xmlns:a16="http://schemas.microsoft.com/office/drawing/2014/main" val="3520383544"/>
+                  </a:ext>
+                </a:extLst>
+              </a:tr>
+              <a:tr h="370840">
+                <a:tc>
+                  <a:txBody>
+                    <a:bodyPr/>
+                    <a:lstStyle/>
+                    <a:p>
+                      <a:pPr marL="0" marR="0" lvl="0" indent="0" algn="l" defTabSz="914400" rtl="0" eaLnBrk="1" fontAlgn="auto" latinLnBrk="0" hangingPunct="1">
+                        <a:lnSpc>
+                          <a:spcPct val="100000"/>
+                        </a:lnSpc>
+                        <a:spcBef>
+                          <a:spcPts val="0"/>
+                        </a:spcBef>
+                        <a:spcAft>
+                          <a:spcPts val="0"/>
+                        </a:spcAft>
+                        <a:buClrTx/>
+                        <a:buSzTx/>
+                        <a:buFontTx/>
+                        <a:buNone/>
+                        <a:tabLst/>
+                        <a:defRPr/>
+                      </a:pPr>
+                      <a:r>
+                        <a:rPr lang="en-US" dirty="0"/>
+                        <a:t>Buffer/Deploy on Website</a:t>
+                      </a:r>
+                    </a:p>
+                  </a:txBody>
+                  <a:tcPr/>
+                </a:tc>
+                <a:tc>
+                  <a:txBody>
+                    <a:bodyPr/>
+                    <a:lstStyle/>
+                    <a:p>
+                      <a:endParaRPr lang="en-US" dirty="0"/>
+                    </a:p>
+                  </a:txBody>
+                  <a:tcPr>
+                    <a:solidFill>
+                      <a:srgbClr val="E9EBF5"/>
+                    </a:solidFill>
+                  </a:tcPr>
+                </a:tc>
+                <a:tc>
+                  <a:txBody>
+                    <a:bodyPr/>
+                    <a:lstStyle/>
+                    <a:p>
+                      <a:endParaRPr lang="en-US" dirty="0"/>
+                    </a:p>
+                  </a:txBody>
+                  <a:tcPr/>
+                </a:tc>
+                <a:tc>
+                  <a:txBody>
+                    <a:bodyPr/>
+                    <a:lstStyle/>
+                    <a:p>
+                      <a:endParaRPr lang="en-US" dirty="0"/>
+                    </a:p>
+                  </a:txBody>
+                  <a:tcPr/>
+                </a:tc>
+                <a:tc>
+                  <a:txBody>
+                    <a:bodyPr/>
+                    <a:lstStyle/>
+                    <a:p>
+                      <a:endParaRPr lang="en-US" dirty="0"/>
+                    </a:p>
+                  </a:txBody>
+                  <a:tcPr>
+                    <a:solidFill>
+                      <a:srgbClr val="92D050"/>
+                    </a:solidFill>
+                  </a:tcPr>
+                </a:tc>
+                <a:extLst>
+                  <a:ext uri="{0D108BD9-81ED-4DB2-BD59-A6C34878D82A}">
+                    <a16:rowId xmlns:a16="http://schemas.microsoft.com/office/drawing/2014/main" val="1322450710"/>
+                  </a:ext>
+                </a:extLst>
+              </a:tr>
+            </a:tbl>
+          </a:graphicData>
+        </a:graphic>
+      </p:graphicFrame>
+      <p:sp>
+        <p:nvSpPr>
+          <p:cNvPr id="6" name="TextBox 5">
+            <a:extLst>
+              <a:ext uri="{FF2B5EF4-FFF2-40B4-BE49-F238E27FC236}">
+                <a16:creationId xmlns:a16="http://schemas.microsoft.com/office/drawing/2014/main" id="{3F25FB3A-944A-45CE-8DEF-4947077EA014}"/>
+              </a:ext>
+            </a:extLst>
+          </p:cNvPr>
+          <p:cNvSpPr txBox="1"/>
+          <p:nvPr/>
+        </p:nvSpPr>
+        <p:spPr>
+          <a:xfrm flipH="1">
+            <a:off x="963246" y="4059203"/>
+            <a:ext cx="3822897" cy="2031325"/>
+          </a:xfrm>
+          <a:prstGeom prst="rect">
+            <a:avLst/>
+          </a:prstGeom>
+          <a:noFill/>
+        </p:spPr>
+        <p:txBody>
+          <a:bodyPr wrap="square" rtlCol="0">
+            <a:spAutoFit/>
+          </a:bodyPr>
+          <a:lstStyle/>
+          <a:p>
+            <a:r>
+              <a:rPr lang="en-US" b="1" dirty="0"/>
+              <a:t>MVP 1</a:t>
+            </a:r>
+          </a:p>
+          <a:p>
+            <a:pPr marL="285750" indent="-285750">
+              <a:buFont typeface="Arial" panose="020B0604020202020204" pitchFamily="34" charset="0"/>
+              <a:buChar char="•"/>
+            </a:pPr>
+            <a:r>
+              <a:rPr lang="en-US" dirty="0"/>
+              <a:t>User enters recipe</a:t>
+            </a:r>
+          </a:p>
+          <a:p>
+            <a:pPr marL="285750" indent="-285750">
+              <a:buFont typeface="Arial" panose="020B0604020202020204" pitchFamily="34" charset="0"/>
+              <a:buChar char="•"/>
+            </a:pPr>
+            <a:r>
+              <a:rPr lang="en-US" dirty="0"/>
+              <a:t>User receives Top 5 Recipes w/ basic analysis</a:t>
+            </a:r>
+          </a:p>
+          <a:p>
+            <a:pPr marL="742950" lvl="1" indent="-285750">
+              <a:buFont typeface="Arial" panose="020B0604020202020204" pitchFamily="34" charset="0"/>
+              <a:buChar char="•"/>
+            </a:pPr>
+            <a:r>
+              <a:rPr lang="en-US" dirty="0"/>
+              <a:t>Common Ingredient List</a:t>
+            </a:r>
+          </a:p>
+          <a:p>
+            <a:pPr marL="742950" lvl="1" indent="-285750">
+              <a:buFont typeface="Arial" panose="020B0604020202020204" pitchFamily="34" charset="0"/>
+              <a:buChar char="•"/>
+            </a:pPr>
+            <a:r>
+              <a:rPr lang="en-US" dirty="0"/>
+              <a:t>Average Ratings</a:t>
+            </a:r>
+          </a:p>
+          <a:p>
+            <a:pPr marL="742950" lvl="1" indent="-285750">
+              <a:buFont typeface="Arial" panose="020B0604020202020204" pitchFamily="34" charset="0"/>
+              <a:buChar char="•"/>
+            </a:pPr>
+            <a:endParaRPr lang="en-US" dirty="0"/>
+          </a:p>
+        </p:txBody>
+      </p:sp>
+      <p:sp>
+        <p:nvSpPr>
+          <p:cNvPr id="7" name="TextBox 6">
+            <a:extLst>
+              <a:ext uri="{FF2B5EF4-FFF2-40B4-BE49-F238E27FC236}">
+                <a16:creationId xmlns:a16="http://schemas.microsoft.com/office/drawing/2014/main" id="{9FBCCBA7-8EE9-4798-A0A0-5E48F39DD694}"/>
+              </a:ext>
+            </a:extLst>
+          </p:cNvPr>
+          <p:cNvSpPr txBox="1"/>
+          <p:nvPr/>
+        </p:nvSpPr>
+        <p:spPr>
+          <a:xfrm flipH="1">
+            <a:off x="7655949" y="4059204"/>
+            <a:ext cx="3822897" cy="2031325"/>
+          </a:xfrm>
+          <a:prstGeom prst="rect">
+            <a:avLst/>
+          </a:prstGeom>
+          <a:noFill/>
+        </p:spPr>
+        <p:txBody>
+          <a:bodyPr wrap="square" rtlCol="0">
+            <a:spAutoFit/>
+          </a:bodyPr>
+          <a:lstStyle/>
+          <a:p>
+            <a:r>
+              <a:rPr lang="en-US" b="1" dirty="0"/>
+              <a:t>MVP 2</a:t>
+            </a:r>
+          </a:p>
+          <a:p>
+            <a:pPr marL="285750" indent="-285750">
+              <a:buFont typeface="Arial" panose="020B0604020202020204" pitchFamily="34" charset="0"/>
+              <a:buChar char="•"/>
+            </a:pPr>
+            <a:r>
+              <a:rPr lang="en-US" dirty="0"/>
+              <a:t>User enters recipe </a:t>
+            </a:r>
+            <a:r>
+              <a:rPr lang="en-US" b="1" u="sng" dirty="0"/>
+              <a:t>and preferences</a:t>
+            </a:r>
+          </a:p>
+          <a:p>
+            <a:pPr marL="285750" indent="-285750">
+              <a:buFont typeface="Arial" panose="020B0604020202020204" pitchFamily="34" charset="0"/>
+              <a:buChar char="•"/>
+            </a:pPr>
+            <a:r>
+              <a:rPr lang="en-US" dirty="0"/>
+              <a:t>User receives Top 5 Recipes w/ basic analysis</a:t>
+            </a:r>
+          </a:p>
+          <a:p>
+            <a:pPr marL="742950" lvl="1" indent="-285750">
+              <a:buFont typeface="Arial" panose="020B0604020202020204" pitchFamily="34" charset="0"/>
+              <a:buChar char="•"/>
+            </a:pPr>
+            <a:r>
+              <a:rPr lang="en-US" dirty="0"/>
+              <a:t>Common Ingredient List</a:t>
+            </a:r>
+          </a:p>
+          <a:p>
+            <a:pPr marL="742950" lvl="1" indent="-285750">
+              <a:buFont typeface="Arial" panose="020B0604020202020204" pitchFamily="34" charset="0"/>
+              <a:buChar char="•"/>
+            </a:pPr>
+            <a:r>
+              <a:rPr lang="en-US" dirty="0"/>
+              <a:t>Average Ratings</a:t>
+            </a:r>
+          </a:p>
+          <a:p>
+            <a:pPr marL="742950" lvl="1" indent="-285750">
+              <a:buFont typeface="Arial" panose="020B0604020202020204" pitchFamily="34" charset="0"/>
+              <a:buChar char="•"/>
+            </a:pPr>
+            <a:endParaRPr lang="en-US" dirty="0"/>
           </a:p>
         </p:txBody>
       </p:sp>
     </p:spTree>
     <p:extLst>
       <p:ext uri="{BB962C8B-B14F-4D97-AF65-F5344CB8AC3E}">
-        <p14:creationId xmlns:p14="http://schemas.microsoft.com/office/powerpoint/2010/main" val="1812637544"/>
+        <p14:creationId xmlns:p14="http://schemas.microsoft.com/office/powerpoint/2010/main" val="788435621"/>
       </p:ext>
     </p:extLst>
   </p:cSld>

--- a/Final Project Ideas.pptx
+++ b/Final Project Ideas.pptx
@@ -533,6 +533,12 @@
             <a:r>
               <a:rPr lang="en-US" dirty="0"/>
               <a:t>https://www.mygreatlearning.com/blog/nltk-tutorial-with-python/</a:t>
+            </a:r>
+          </a:p>
+          <a:p>
+            <a:r>
+              <a:rPr lang="en-US" dirty="0"/>
+              <a:t>https://github.com/hhursev/recipe-scrapers</a:t>
             </a:r>
           </a:p>
           <a:p>

--- a/Final Project Ideas.pptx
+++ b/Final Project Ideas.pptx
@@ -219,7 +219,7 @@
           <a:p>
             <a:fld id="{04BC9019-C8A6-4B90-8F56-686087AC6712}" type="datetimeFigureOut">
               <a:rPr lang="en-US" smtClean="0"/>
-              <a:t>3/6/2021</a:t>
+              <a:t>3/13/2021</a:t>
             </a:fld>
             <a:endParaRPr lang="en-US"/>
           </a:p>
@@ -544,6 +544,37 @@
           <a:p>
             <a:endParaRPr lang="en-US" dirty="0"/>
           </a:p>
+          <a:p>
+            <a:r>
+              <a:rPr lang="en-US" dirty="0" err="1"/>
+              <a:t>gensim</a:t>
+            </a:r>
+            <a:endParaRPr lang="en-US" dirty="0"/>
+          </a:p>
+          <a:p>
+            <a:r>
+              <a:rPr lang="en-US" dirty="0"/>
+              <a:t>LDA</a:t>
+            </a:r>
+          </a:p>
+          <a:p>
+            <a:endParaRPr lang="en-US" dirty="0"/>
+          </a:p>
+          <a:p>
+            <a:r>
+              <a:rPr lang="en-US" dirty="0"/>
+              <a:t>content base recommender (naive- bayes)</a:t>
+            </a:r>
+          </a:p>
+          <a:p>
+            <a:r>
+              <a:rPr lang="en-US" dirty="0"/>
+              <a:t>upload re</a:t>
+            </a:r>
+          </a:p>
+          <a:p>
+            <a:endParaRPr lang="en-US" dirty="0"/>
+          </a:p>
         </p:txBody>
       </p:sp>
       <p:sp>
@@ -729,7 +760,7 @@
           <a:p>
             <a:fld id="{E25CC89C-45C9-47D1-BCFB-36AC0404138F}" type="datetimeFigureOut">
               <a:rPr lang="en-US" smtClean="0"/>
-              <a:t>3/6/2021</a:t>
+              <a:t>3/13/2021</a:t>
             </a:fld>
             <a:endParaRPr lang="en-US"/>
           </a:p>
@@ -927,7 +958,7 @@
           <a:p>
             <a:fld id="{E25CC89C-45C9-47D1-BCFB-36AC0404138F}" type="datetimeFigureOut">
               <a:rPr lang="en-US" smtClean="0"/>
-              <a:t>3/6/2021</a:t>
+              <a:t>3/13/2021</a:t>
             </a:fld>
             <a:endParaRPr lang="en-US"/>
           </a:p>
@@ -1135,7 +1166,7 @@
           <a:p>
             <a:fld id="{E25CC89C-45C9-47D1-BCFB-36AC0404138F}" type="datetimeFigureOut">
               <a:rPr lang="en-US" smtClean="0"/>
-              <a:t>3/6/2021</a:t>
+              <a:t>3/13/2021</a:t>
             </a:fld>
             <a:endParaRPr lang="en-US"/>
           </a:p>
@@ -1333,7 +1364,7 @@
           <a:p>
             <a:fld id="{E25CC89C-45C9-47D1-BCFB-36AC0404138F}" type="datetimeFigureOut">
               <a:rPr lang="en-US" smtClean="0"/>
-              <a:t>3/6/2021</a:t>
+              <a:t>3/13/2021</a:t>
             </a:fld>
             <a:endParaRPr lang="en-US"/>
           </a:p>
@@ -1608,7 +1639,7 @@
           <a:p>
             <a:fld id="{E25CC89C-45C9-47D1-BCFB-36AC0404138F}" type="datetimeFigureOut">
               <a:rPr lang="en-US" smtClean="0"/>
-              <a:t>3/6/2021</a:t>
+              <a:t>3/13/2021</a:t>
             </a:fld>
             <a:endParaRPr lang="en-US"/>
           </a:p>
@@ -1873,7 +1904,7 @@
           <a:p>
             <a:fld id="{E25CC89C-45C9-47D1-BCFB-36AC0404138F}" type="datetimeFigureOut">
               <a:rPr lang="en-US" smtClean="0"/>
-              <a:t>3/6/2021</a:t>
+              <a:t>3/13/2021</a:t>
             </a:fld>
             <a:endParaRPr lang="en-US"/>
           </a:p>
@@ -2285,7 +2316,7 @@
           <a:p>
             <a:fld id="{E25CC89C-45C9-47D1-BCFB-36AC0404138F}" type="datetimeFigureOut">
               <a:rPr lang="en-US" smtClean="0"/>
-              <a:t>3/6/2021</a:t>
+              <a:t>3/13/2021</a:t>
             </a:fld>
             <a:endParaRPr lang="en-US"/>
           </a:p>
@@ -2426,7 +2457,7 @@
           <a:p>
             <a:fld id="{E25CC89C-45C9-47D1-BCFB-36AC0404138F}" type="datetimeFigureOut">
               <a:rPr lang="en-US" smtClean="0"/>
-              <a:t>3/6/2021</a:t>
+              <a:t>3/13/2021</a:t>
             </a:fld>
             <a:endParaRPr lang="en-US"/>
           </a:p>
@@ -2539,7 +2570,7 @@
           <a:p>
             <a:fld id="{E25CC89C-45C9-47D1-BCFB-36AC0404138F}" type="datetimeFigureOut">
               <a:rPr lang="en-US" smtClean="0"/>
-              <a:t>3/6/2021</a:t>
+              <a:t>3/13/2021</a:t>
             </a:fld>
             <a:endParaRPr lang="en-US"/>
           </a:p>
@@ -2850,7 +2881,7 @@
           <a:p>
             <a:fld id="{E25CC89C-45C9-47D1-BCFB-36AC0404138F}" type="datetimeFigureOut">
               <a:rPr lang="en-US" smtClean="0"/>
-              <a:t>3/6/2021</a:t>
+              <a:t>3/13/2021</a:t>
             </a:fld>
             <a:endParaRPr lang="en-US"/>
           </a:p>
@@ -3138,7 +3169,7 @@
           <a:p>
             <a:fld id="{E25CC89C-45C9-47D1-BCFB-36AC0404138F}" type="datetimeFigureOut">
               <a:rPr lang="en-US" smtClean="0"/>
-              <a:t>3/6/2021</a:t>
+              <a:t>3/13/2021</a:t>
             </a:fld>
             <a:endParaRPr lang="en-US"/>
           </a:p>
@@ -3379,7 +3410,7 @@
           <a:p>
             <a:fld id="{E25CC89C-45C9-47D1-BCFB-36AC0404138F}" type="datetimeFigureOut">
               <a:rPr lang="en-US" smtClean="0"/>
-              <a:t>3/6/2021</a:t>
+              <a:t>3/13/2021</a:t>
             </a:fld>
             <a:endParaRPr lang="en-US"/>
           </a:p>

--- a/Final Project Ideas.pptx
+++ b/Final Project Ideas.pptx
@@ -219,7 +219,7 @@
           <a:p>
             <a:fld id="{04BC9019-C8A6-4B90-8F56-686087AC6712}" type="datetimeFigureOut">
               <a:rPr lang="en-US" smtClean="0"/>
-              <a:t>3/13/2021</a:t>
+              <a:t>3/15/2021</a:t>
             </a:fld>
             <a:endParaRPr lang="en-US"/>
           </a:p>
@@ -542,7 +542,10 @@
             </a:r>
           </a:p>
           <a:p>
-            <a:endParaRPr lang="en-US" dirty="0"/>
+            <a:r>
+              <a:rPr lang="en-US" dirty="0"/>
+              <a:t>https://www.datacamp.com/community/tutorials/wordcloud-python</a:t>
+            </a:r>
           </a:p>
           <a:p>
             <a:r>
@@ -760,7 +763,7 @@
           <a:p>
             <a:fld id="{E25CC89C-45C9-47D1-BCFB-36AC0404138F}" type="datetimeFigureOut">
               <a:rPr lang="en-US" smtClean="0"/>
-              <a:t>3/13/2021</a:t>
+              <a:t>3/15/2021</a:t>
             </a:fld>
             <a:endParaRPr lang="en-US"/>
           </a:p>
@@ -958,7 +961,7 @@
           <a:p>
             <a:fld id="{E25CC89C-45C9-47D1-BCFB-36AC0404138F}" type="datetimeFigureOut">
               <a:rPr lang="en-US" smtClean="0"/>
-              <a:t>3/13/2021</a:t>
+              <a:t>3/15/2021</a:t>
             </a:fld>
             <a:endParaRPr lang="en-US"/>
           </a:p>
@@ -1166,7 +1169,7 @@
           <a:p>
             <a:fld id="{E25CC89C-45C9-47D1-BCFB-36AC0404138F}" type="datetimeFigureOut">
               <a:rPr lang="en-US" smtClean="0"/>
-              <a:t>3/13/2021</a:t>
+              <a:t>3/15/2021</a:t>
             </a:fld>
             <a:endParaRPr lang="en-US"/>
           </a:p>
@@ -1364,7 +1367,7 @@
           <a:p>
             <a:fld id="{E25CC89C-45C9-47D1-BCFB-36AC0404138F}" type="datetimeFigureOut">
               <a:rPr lang="en-US" smtClean="0"/>
-              <a:t>3/13/2021</a:t>
+              <a:t>3/15/2021</a:t>
             </a:fld>
             <a:endParaRPr lang="en-US"/>
           </a:p>
@@ -1639,7 +1642,7 @@
           <a:p>
             <a:fld id="{E25CC89C-45C9-47D1-BCFB-36AC0404138F}" type="datetimeFigureOut">
               <a:rPr lang="en-US" smtClean="0"/>
-              <a:t>3/13/2021</a:t>
+              <a:t>3/15/2021</a:t>
             </a:fld>
             <a:endParaRPr lang="en-US"/>
           </a:p>
@@ -1904,7 +1907,7 @@
           <a:p>
             <a:fld id="{E25CC89C-45C9-47D1-BCFB-36AC0404138F}" type="datetimeFigureOut">
               <a:rPr lang="en-US" smtClean="0"/>
-              <a:t>3/13/2021</a:t>
+              <a:t>3/15/2021</a:t>
             </a:fld>
             <a:endParaRPr lang="en-US"/>
           </a:p>
@@ -2316,7 +2319,7 @@
           <a:p>
             <a:fld id="{E25CC89C-45C9-47D1-BCFB-36AC0404138F}" type="datetimeFigureOut">
               <a:rPr lang="en-US" smtClean="0"/>
-              <a:t>3/13/2021</a:t>
+              <a:t>3/15/2021</a:t>
             </a:fld>
             <a:endParaRPr lang="en-US"/>
           </a:p>
@@ -2457,7 +2460,7 @@
           <a:p>
             <a:fld id="{E25CC89C-45C9-47D1-BCFB-36AC0404138F}" type="datetimeFigureOut">
               <a:rPr lang="en-US" smtClean="0"/>
-              <a:t>3/13/2021</a:t>
+              <a:t>3/15/2021</a:t>
             </a:fld>
             <a:endParaRPr lang="en-US"/>
           </a:p>
@@ -2570,7 +2573,7 @@
           <a:p>
             <a:fld id="{E25CC89C-45C9-47D1-BCFB-36AC0404138F}" type="datetimeFigureOut">
               <a:rPr lang="en-US" smtClean="0"/>
-              <a:t>3/13/2021</a:t>
+              <a:t>3/15/2021</a:t>
             </a:fld>
             <a:endParaRPr lang="en-US"/>
           </a:p>
@@ -2881,7 +2884,7 @@
           <a:p>
             <a:fld id="{E25CC89C-45C9-47D1-BCFB-36AC0404138F}" type="datetimeFigureOut">
               <a:rPr lang="en-US" smtClean="0"/>
-              <a:t>3/13/2021</a:t>
+              <a:t>3/15/2021</a:t>
             </a:fld>
             <a:endParaRPr lang="en-US"/>
           </a:p>
@@ -3169,7 +3172,7 @@
           <a:p>
             <a:fld id="{E25CC89C-45C9-47D1-BCFB-36AC0404138F}" type="datetimeFigureOut">
               <a:rPr lang="en-US" smtClean="0"/>
-              <a:t>3/13/2021</a:t>
+              <a:t>3/15/2021</a:t>
             </a:fld>
             <a:endParaRPr lang="en-US"/>
           </a:p>
@@ -3410,7 +3413,7 @@
           <a:p>
             <a:fld id="{E25CC89C-45C9-47D1-BCFB-36AC0404138F}" type="datetimeFigureOut">
               <a:rPr lang="en-US" smtClean="0"/>
-              <a:t>3/13/2021</a:t>
+              <a:t>3/15/2021</a:t>
             </a:fld>
             <a:endParaRPr lang="en-US"/>
           </a:p>

--- a/Final Project Ideas.pptx
+++ b/Final Project Ideas.pptx
@@ -546,6 +546,13 @@
               <a:rPr lang="en-US" dirty="0"/>
               <a:t>https://www.datacamp.com/community/tutorials/wordcloud-python</a:t>
             </a:r>
+          </a:p>
+          <a:p>
+            <a:r>
+              <a:rPr lang="en-US"/>
+              <a:t>https://stackabuse.com/removing-stop-words-from-strings-in-python/</a:t>
+            </a:r>
+            <a:endParaRPr lang="en-US" dirty="0"/>
           </a:p>
           <a:p>
             <a:r>
